--- a/ppt.pptx
+++ b/ppt.pptx
@@ -5,10 +5,11 @@
     <p:sldMasterId id="2147483648" r:id="rId1"/>
   </p:sldMasterIdLst>
   <p:notesMasterIdLst>
-    <p:notesMasterId r:id="rId3"/>
+    <p:notesMasterId r:id="rId4"/>
   </p:notesMasterIdLst>
   <p:sldIdLst>
     <p:sldId id="256" r:id="rId2"/>
+    <p:sldId id="257" r:id="rId3"/>
   </p:sldIdLst>
   <p:sldSz cx="9144000" cy="6858000" type="screen4x3"/>
   <p:notesSz cx="6797675" cy="9928225"/>
@@ -257,7 +258,7 @@
       </p15:sldGuideLst>
     </p:ext>
     <p:ext uri="http://customooxmlschemas.google.com/">
-      <go:slidesCustomData xmlns="" xmlns:mc="http://schemas.openxmlformats.org/markup-compatibility/2006" xmlns:mv="urn:schemas-microsoft-com:mac:vml" xmlns:c="http://schemas.openxmlformats.org/drawingml/2006/chart" xmlns:dgm="http://schemas.openxmlformats.org/drawingml/2006/diagram" xmlns:o="urn:schemas-microsoft-com:office:office" xmlns:v="urn:schemas-microsoft-com:vml" xmlns:pvml="urn:schemas-microsoft-com:office:powerpoint" xmlns:com="http://schemas.openxmlformats.org/drawingml/2006/compatibility" xmlns:p14="http://schemas.microsoft.com/office/powerpoint/2010/main" xmlns:p15="http://schemas.microsoft.com/office/powerpoint/2012/main" xmlns:ahyp="http://schemas.microsoft.com/office/drawing/2018/hyperlinkcolor" xmlns:go="http://customooxmlschemas.google.com/" r:id="rId36" roundtripDataSignature="AMtx7mjxYvJJ2TqqQyNwus0+bsIUL6xufw=="/>
+      <go:slidesCustomData xmlns:go="http://customooxmlschemas.google.com/" xmlns:ahyp="http://schemas.microsoft.com/office/drawing/2018/hyperlinkcolor" xmlns:p15="http://schemas.microsoft.com/office/powerpoint/2012/main" xmlns:p14="http://schemas.microsoft.com/office/powerpoint/2010/main" xmlns:com="http://schemas.openxmlformats.org/drawingml/2006/compatibility" xmlns:pvml="urn:schemas-microsoft-com:office:powerpoint" xmlns:v="urn:schemas-microsoft-com:vml" xmlns:o="urn:schemas-microsoft-com:office:office" xmlns:dgm="http://schemas.openxmlformats.org/drawingml/2006/diagram" xmlns:c="http://schemas.openxmlformats.org/drawingml/2006/chart" xmlns:mv="urn:schemas-microsoft-com:mac:vml" xmlns:mc="http://schemas.openxmlformats.org/markup-compatibility/2006" xmlns="" r:id="rId36" roundtripDataSignature="AMtx7mjxYvJJ2TqqQyNwus0+bsIUL6xufw=="/>
     </p:ext>
   </p:extLst>
 </p:presentation>
@@ -1482,11 +1483,6 @@
         </p:txBody>
       </p:sp>
     </p:spTree>
-    <p:extLst>
-      <p:ext uri="{BB962C8B-B14F-4D97-AF65-F5344CB8AC3E}">
-        <p14:creationId xmlns:p14="http://schemas.microsoft.com/office/powerpoint/2010/main" val="2793071365"/>
-      </p:ext>
-    </p:extLst>
   </p:cSld>
   <p:clrMap bg1="lt1" tx1="dk1" bg2="dk2" tx2="lt2" accent1="accent1" accent2="accent2" accent3="accent3" accent4="accent4" accent5="accent5" accent6="accent6" hlink="hlink" folHlink="folHlink"/>
   <p:notesStyle>
@@ -1836,11 +1832,128 @@
         </p:spPr>
       </p:sp>
     </p:spTree>
-    <p:extLst>
-      <p:ext uri="{BB962C8B-B14F-4D97-AF65-F5344CB8AC3E}">
-        <p14:creationId xmlns:p14="http://schemas.microsoft.com/office/powerpoint/2010/main" val="3764383851"/>
-      </p:ext>
-    </p:extLst>
+  </p:cSld>
+  <p:clrMapOvr>
+    <a:masterClrMapping/>
+  </p:clrMapOvr>
+</p:notes>
+</file>
+
+<file path=ppt/notesSlides/notesSlide2.xml><?xml version="1.0" encoding="utf-8"?>
+<p:notes xmlns:a="http://schemas.openxmlformats.org/drawingml/2006/main" xmlns:r="http://schemas.openxmlformats.org/officeDocument/2006/relationships" xmlns:p="http://schemas.openxmlformats.org/presentationml/2006/main" showMasterSp="0" showMasterPhAnim="0">
+  <p:cSld>
+    <p:spTree>
+      <p:nvGrpSpPr>
+        <p:cNvPr id="1" name="Shape 102"/>
+        <p:cNvGrpSpPr/>
+        <p:nvPr/>
+      </p:nvGrpSpPr>
+      <p:grpSpPr>
+        <a:xfrm>
+          <a:off x="0" y="0"/>
+          <a:ext cx="0" cy="0"/>
+          <a:chOff x="0" y="0"/>
+          <a:chExt cx="0" cy="0"/>
+        </a:xfrm>
+      </p:grpSpPr>
+      <p:sp>
+        <p:nvSpPr>
+          <p:cNvPr id="103" name="Google Shape;103;p2:notes"/>
+          <p:cNvSpPr txBox="1">
+            <a:spLocks noGrp="1"/>
+          </p:cNvSpPr>
+          <p:nvPr>
+            <p:ph type="body" idx="1"/>
+          </p:nvPr>
+        </p:nvSpPr>
+        <p:spPr>
+          <a:xfrm>
+            <a:off x="679452" y="4716464"/>
+            <a:ext cx="5438775" cy="4467225"/>
+          </a:xfrm>
+          <a:prstGeom prst="rect">
+            <a:avLst/>
+          </a:prstGeom>
+          <a:noFill/>
+          <a:ln>
+            <a:noFill/>
+          </a:ln>
+        </p:spPr>
+        <p:txBody>
+          <a:bodyPr spcFirstLastPara="1" wrap="square" lIns="91425" tIns="45700" rIns="91425" bIns="45700" anchor="t" anchorCtr="0">
+            <a:noAutofit/>
+          </a:bodyPr>
+          <a:lstStyle/>
+          <a:p>
+            <a:pPr marL="0" lvl="0" indent="0" algn="l" rtl="0">
+              <a:lnSpc>
+                <a:spcPct val="100000"/>
+              </a:lnSpc>
+              <a:spcBef>
+                <a:spcPts val="0"/>
+              </a:spcBef>
+              <a:spcAft>
+                <a:spcPts val="0"/>
+              </a:spcAft>
+              <a:buSzPts val="1400"/>
+              <a:buNone/>
+            </a:pPr>
+            <a:endParaRPr/>
+          </a:p>
+        </p:txBody>
+      </p:sp>
+      <p:sp>
+        <p:nvSpPr>
+          <p:cNvPr id="104" name="Google Shape;104;p2:notes"/>
+          <p:cNvSpPr>
+            <a:spLocks noGrp="1" noRot="1" noChangeAspect="1"/>
+          </p:cNvSpPr>
+          <p:nvPr>
+            <p:ph type="sldImg" idx="2"/>
+          </p:nvPr>
+        </p:nvSpPr>
+        <p:spPr>
+          <a:xfrm>
+            <a:off x="917575" y="744538"/>
+            <a:ext cx="4962525" cy="3722687"/>
+          </a:xfrm>
+          <a:custGeom>
+            <a:avLst/>
+            <a:gdLst/>
+            <a:ahLst/>
+            <a:cxnLst/>
+            <a:rect l="l" t="t" r="r" b="b"/>
+            <a:pathLst>
+              <a:path w="120000" h="120000" extrusionOk="0">
+                <a:moveTo>
+                  <a:pt x="0" y="0"/>
+                </a:moveTo>
+                <a:lnTo>
+                  <a:pt x="120000" y="0"/>
+                </a:lnTo>
+                <a:lnTo>
+                  <a:pt x="120000" y="120000"/>
+                </a:lnTo>
+                <a:lnTo>
+                  <a:pt x="0" y="120000"/>
+                </a:lnTo>
+                <a:close/>
+              </a:path>
+            </a:pathLst>
+          </a:custGeom>
+          <a:noFill/>
+          <a:ln w="12700" cap="flat" cmpd="sng">
+            <a:solidFill>
+              <a:srgbClr val="000000"/>
+            </a:solidFill>
+            <a:prstDash val="solid"/>
+            <a:round/>
+            <a:headEnd type="none" w="sm" len="sm"/>
+            <a:tailEnd type="none" w="sm" len="sm"/>
+          </a:ln>
+        </p:spPr>
+      </p:sp>
+    </p:spTree>
   </p:cSld>
   <p:clrMapOvr>
     <a:masterClrMapping/>
@@ -2609,6 +2722,1198 @@
 </file>
 
 <file path=ppt/slideLayouts/slideLayout10.xml><?xml version="1.0" encoding="utf-8"?>
+<p:sldLayout xmlns:a="http://schemas.openxmlformats.org/drawingml/2006/main" xmlns:r="http://schemas.openxmlformats.org/officeDocument/2006/relationships" xmlns:p="http://schemas.openxmlformats.org/presentationml/2006/main" matchingName="Title and Vertical Text" type="vertTx">
+  <p:cSld name="VERTICAL_TEXT">
+    <p:spTree>
+      <p:nvGrpSpPr>
+        <p:cNvPr id="1" name="Shape 77"/>
+        <p:cNvGrpSpPr/>
+        <p:nvPr/>
+      </p:nvGrpSpPr>
+      <p:grpSpPr>
+        <a:xfrm>
+          <a:off x="0" y="0"/>
+          <a:ext cx="0" cy="0"/>
+          <a:chOff x="0" y="0"/>
+          <a:chExt cx="0" cy="0"/>
+        </a:xfrm>
+      </p:grpSpPr>
+      <p:sp>
+        <p:nvSpPr>
+          <p:cNvPr id="78" name="Google Shape;78;p41"/>
+          <p:cNvSpPr txBox="1">
+            <a:spLocks noGrp="1"/>
+          </p:cNvSpPr>
+          <p:nvPr>
+            <p:ph type="title"/>
+          </p:nvPr>
+        </p:nvSpPr>
+        <p:spPr>
+          <a:xfrm>
+            <a:off x="1115616" y="274638"/>
+            <a:ext cx="6408712" cy="922114"/>
+          </a:xfrm>
+          <a:prstGeom prst="rect">
+            <a:avLst/>
+          </a:prstGeom>
+          <a:noFill/>
+          <a:ln>
+            <a:noFill/>
+          </a:ln>
+        </p:spPr>
+        <p:txBody>
+          <a:bodyPr spcFirstLastPara="1" wrap="square" lIns="91425" tIns="45700" rIns="91425" bIns="45700" anchor="ctr" anchorCtr="0">
+            <a:normAutofit/>
+          </a:bodyPr>
+          <a:lstStyle>
+            <a:lvl1pPr lvl="0" algn="ctr">
+              <a:lnSpc>
+                <a:spcPct val="100000"/>
+              </a:lnSpc>
+              <a:spcBef>
+                <a:spcPts val="0"/>
+              </a:spcBef>
+              <a:spcAft>
+                <a:spcPts val="0"/>
+              </a:spcAft>
+              <a:buClr>
+                <a:schemeClr val="dk1"/>
+              </a:buClr>
+              <a:buSzPts val="1800"/>
+              <a:buNone/>
+              <a:defRPr/>
+            </a:lvl1pPr>
+            <a:lvl2pPr lvl="1" algn="l">
+              <a:lnSpc>
+                <a:spcPct val="100000"/>
+              </a:lnSpc>
+              <a:spcBef>
+                <a:spcPts val="0"/>
+              </a:spcBef>
+              <a:spcAft>
+                <a:spcPts val="0"/>
+              </a:spcAft>
+              <a:buSzPts val="1400"/>
+              <a:buNone/>
+              <a:defRPr/>
+            </a:lvl2pPr>
+            <a:lvl3pPr lvl="2" algn="l">
+              <a:lnSpc>
+                <a:spcPct val="100000"/>
+              </a:lnSpc>
+              <a:spcBef>
+                <a:spcPts val="0"/>
+              </a:spcBef>
+              <a:spcAft>
+                <a:spcPts val="0"/>
+              </a:spcAft>
+              <a:buSzPts val="1400"/>
+              <a:buNone/>
+              <a:defRPr/>
+            </a:lvl3pPr>
+            <a:lvl4pPr lvl="3" algn="l">
+              <a:lnSpc>
+                <a:spcPct val="100000"/>
+              </a:lnSpc>
+              <a:spcBef>
+                <a:spcPts val="0"/>
+              </a:spcBef>
+              <a:spcAft>
+                <a:spcPts val="0"/>
+              </a:spcAft>
+              <a:buSzPts val="1400"/>
+              <a:buNone/>
+              <a:defRPr/>
+            </a:lvl4pPr>
+            <a:lvl5pPr lvl="4" algn="l">
+              <a:lnSpc>
+                <a:spcPct val="100000"/>
+              </a:lnSpc>
+              <a:spcBef>
+                <a:spcPts val="0"/>
+              </a:spcBef>
+              <a:spcAft>
+                <a:spcPts val="0"/>
+              </a:spcAft>
+              <a:buSzPts val="1400"/>
+              <a:buNone/>
+              <a:defRPr/>
+            </a:lvl5pPr>
+            <a:lvl6pPr lvl="5" algn="l">
+              <a:lnSpc>
+                <a:spcPct val="100000"/>
+              </a:lnSpc>
+              <a:spcBef>
+                <a:spcPts val="0"/>
+              </a:spcBef>
+              <a:spcAft>
+                <a:spcPts val="0"/>
+              </a:spcAft>
+              <a:buSzPts val="1400"/>
+              <a:buNone/>
+              <a:defRPr/>
+            </a:lvl6pPr>
+            <a:lvl7pPr lvl="6" algn="l">
+              <a:lnSpc>
+                <a:spcPct val="100000"/>
+              </a:lnSpc>
+              <a:spcBef>
+                <a:spcPts val="0"/>
+              </a:spcBef>
+              <a:spcAft>
+                <a:spcPts val="0"/>
+              </a:spcAft>
+              <a:buSzPts val="1400"/>
+              <a:buNone/>
+              <a:defRPr/>
+            </a:lvl7pPr>
+            <a:lvl8pPr lvl="7" algn="l">
+              <a:lnSpc>
+                <a:spcPct val="100000"/>
+              </a:lnSpc>
+              <a:spcBef>
+                <a:spcPts val="0"/>
+              </a:spcBef>
+              <a:spcAft>
+                <a:spcPts val="0"/>
+              </a:spcAft>
+              <a:buSzPts val="1400"/>
+              <a:buNone/>
+              <a:defRPr/>
+            </a:lvl8pPr>
+            <a:lvl9pPr lvl="8" algn="l">
+              <a:lnSpc>
+                <a:spcPct val="100000"/>
+              </a:lnSpc>
+              <a:spcBef>
+                <a:spcPts val="0"/>
+              </a:spcBef>
+              <a:spcAft>
+                <a:spcPts val="0"/>
+              </a:spcAft>
+              <a:buSzPts val="1400"/>
+              <a:buNone/>
+              <a:defRPr/>
+            </a:lvl9pPr>
+          </a:lstStyle>
+          <a:p>
+            <a:endParaRPr/>
+          </a:p>
+        </p:txBody>
+      </p:sp>
+      <p:sp>
+        <p:nvSpPr>
+          <p:cNvPr id="79" name="Google Shape;79;p41"/>
+          <p:cNvSpPr txBox="1">
+            <a:spLocks noGrp="1"/>
+          </p:cNvSpPr>
+          <p:nvPr>
+            <p:ph type="body" idx="1"/>
+          </p:nvPr>
+        </p:nvSpPr>
+        <p:spPr>
+          <a:xfrm rot="5400000">
+            <a:off x="2309019" y="-457297"/>
+            <a:ext cx="4525963" cy="8640960"/>
+          </a:xfrm>
+          <a:prstGeom prst="rect">
+            <a:avLst/>
+          </a:prstGeom>
+          <a:noFill/>
+          <a:ln>
+            <a:noFill/>
+          </a:ln>
+        </p:spPr>
+        <p:txBody>
+          <a:bodyPr spcFirstLastPara="1" wrap="square" lIns="91425" tIns="45700" rIns="91425" bIns="45700" anchor="t" anchorCtr="0">
+            <a:normAutofit/>
+          </a:bodyPr>
+          <a:lstStyle>
+            <a:lvl1pPr marL="457200" lvl="0" indent="-342900" algn="l">
+              <a:lnSpc>
+                <a:spcPct val="100000"/>
+              </a:lnSpc>
+              <a:spcBef>
+                <a:spcPts val="360"/>
+              </a:spcBef>
+              <a:spcAft>
+                <a:spcPts val="0"/>
+              </a:spcAft>
+              <a:buClr>
+                <a:schemeClr val="dk1"/>
+              </a:buClr>
+              <a:buSzPts val="1800"/>
+              <a:buChar char="•"/>
+              <a:defRPr/>
+            </a:lvl1pPr>
+            <a:lvl2pPr marL="914400" lvl="1" indent="-342900" algn="l">
+              <a:lnSpc>
+                <a:spcPct val="100000"/>
+              </a:lnSpc>
+              <a:spcBef>
+                <a:spcPts val="360"/>
+              </a:spcBef>
+              <a:spcAft>
+                <a:spcPts val="0"/>
+              </a:spcAft>
+              <a:buClr>
+                <a:schemeClr val="dk1"/>
+              </a:buClr>
+              <a:buSzPts val="1800"/>
+              <a:buChar char="–"/>
+              <a:defRPr/>
+            </a:lvl2pPr>
+            <a:lvl3pPr marL="1371600" lvl="2" indent="-342900" algn="l">
+              <a:lnSpc>
+                <a:spcPct val="100000"/>
+              </a:lnSpc>
+              <a:spcBef>
+                <a:spcPts val="360"/>
+              </a:spcBef>
+              <a:spcAft>
+                <a:spcPts val="0"/>
+              </a:spcAft>
+              <a:buClr>
+                <a:schemeClr val="dk1"/>
+              </a:buClr>
+              <a:buSzPts val="1800"/>
+              <a:buChar char="•"/>
+              <a:defRPr/>
+            </a:lvl3pPr>
+            <a:lvl4pPr marL="1828800" lvl="3" indent="-342900" algn="l">
+              <a:lnSpc>
+                <a:spcPct val="100000"/>
+              </a:lnSpc>
+              <a:spcBef>
+                <a:spcPts val="360"/>
+              </a:spcBef>
+              <a:spcAft>
+                <a:spcPts val="0"/>
+              </a:spcAft>
+              <a:buClr>
+                <a:schemeClr val="dk1"/>
+              </a:buClr>
+              <a:buSzPts val="1800"/>
+              <a:buChar char="–"/>
+              <a:defRPr/>
+            </a:lvl4pPr>
+            <a:lvl5pPr marL="2286000" lvl="4" indent="-342900" algn="l">
+              <a:lnSpc>
+                <a:spcPct val="100000"/>
+              </a:lnSpc>
+              <a:spcBef>
+                <a:spcPts val="360"/>
+              </a:spcBef>
+              <a:spcAft>
+                <a:spcPts val="0"/>
+              </a:spcAft>
+              <a:buClr>
+                <a:schemeClr val="dk1"/>
+              </a:buClr>
+              <a:buSzPts val="1800"/>
+              <a:buChar char="»"/>
+              <a:defRPr/>
+            </a:lvl5pPr>
+            <a:lvl6pPr marL="2743200" lvl="5" indent="-342900" algn="l">
+              <a:lnSpc>
+                <a:spcPct val="100000"/>
+              </a:lnSpc>
+              <a:spcBef>
+                <a:spcPts val="360"/>
+              </a:spcBef>
+              <a:spcAft>
+                <a:spcPts val="0"/>
+              </a:spcAft>
+              <a:buClr>
+                <a:schemeClr val="dk1"/>
+              </a:buClr>
+              <a:buSzPts val="1800"/>
+              <a:buChar char="•"/>
+              <a:defRPr/>
+            </a:lvl6pPr>
+            <a:lvl7pPr marL="3200400" lvl="6" indent="-342900" algn="l">
+              <a:lnSpc>
+                <a:spcPct val="100000"/>
+              </a:lnSpc>
+              <a:spcBef>
+                <a:spcPts val="360"/>
+              </a:spcBef>
+              <a:spcAft>
+                <a:spcPts val="0"/>
+              </a:spcAft>
+              <a:buClr>
+                <a:schemeClr val="dk1"/>
+              </a:buClr>
+              <a:buSzPts val="1800"/>
+              <a:buChar char="•"/>
+              <a:defRPr/>
+            </a:lvl7pPr>
+            <a:lvl8pPr marL="3657600" lvl="7" indent="-342900" algn="l">
+              <a:lnSpc>
+                <a:spcPct val="100000"/>
+              </a:lnSpc>
+              <a:spcBef>
+                <a:spcPts val="360"/>
+              </a:spcBef>
+              <a:spcAft>
+                <a:spcPts val="0"/>
+              </a:spcAft>
+              <a:buClr>
+                <a:schemeClr val="dk1"/>
+              </a:buClr>
+              <a:buSzPts val="1800"/>
+              <a:buChar char="•"/>
+              <a:defRPr/>
+            </a:lvl8pPr>
+            <a:lvl9pPr marL="4114800" lvl="8" indent="-342900" algn="l">
+              <a:lnSpc>
+                <a:spcPct val="100000"/>
+              </a:lnSpc>
+              <a:spcBef>
+                <a:spcPts val="360"/>
+              </a:spcBef>
+              <a:spcAft>
+                <a:spcPts val="0"/>
+              </a:spcAft>
+              <a:buClr>
+                <a:schemeClr val="dk1"/>
+              </a:buClr>
+              <a:buSzPts val="1800"/>
+              <a:buChar char="•"/>
+              <a:defRPr/>
+            </a:lvl9pPr>
+          </a:lstStyle>
+          <a:p>
+            <a:endParaRPr/>
+          </a:p>
+        </p:txBody>
+      </p:sp>
+      <p:sp>
+        <p:nvSpPr>
+          <p:cNvPr id="80" name="Google Shape;80;p41"/>
+          <p:cNvSpPr txBox="1">
+            <a:spLocks noGrp="1"/>
+          </p:cNvSpPr>
+          <p:nvPr>
+            <p:ph type="dt" idx="10"/>
+          </p:nvPr>
+        </p:nvSpPr>
+        <p:spPr>
+          <a:xfrm>
+            <a:off x="457200" y="6356352"/>
+            <a:ext cx="2133600" cy="365125"/>
+          </a:xfrm>
+          <a:prstGeom prst="rect">
+            <a:avLst/>
+          </a:prstGeom>
+          <a:noFill/>
+          <a:ln>
+            <a:noFill/>
+          </a:ln>
+        </p:spPr>
+        <p:txBody>
+          <a:bodyPr spcFirstLastPara="1" wrap="square" lIns="91425" tIns="45700" rIns="91425" bIns="45700" anchor="t" anchorCtr="0">
+            <a:noAutofit/>
+          </a:bodyPr>
+          <a:lstStyle>
+            <a:lvl1pPr marR="0" lvl="0" algn="l" rtl="0">
+              <a:lnSpc>
+                <a:spcPct val="100000"/>
+              </a:lnSpc>
+              <a:spcBef>
+                <a:spcPts val="0"/>
+              </a:spcBef>
+              <a:spcAft>
+                <a:spcPts val="0"/>
+              </a:spcAft>
+              <a:buClr>
+                <a:srgbClr val="000000"/>
+              </a:buClr>
+              <a:buSzPts val="1400"/>
+              <a:buFont typeface="Arial"/>
+              <a:buNone/>
+              <a:defRPr sz="1800" b="0" i="0" u="none" strike="noStrike" cap="none">
+                <a:solidFill>
+                  <a:schemeClr val="dk1"/>
+                </a:solidFill>
+                <a:latin typeface="Calibri"/>
+                <a:ea typeface="Calibri"/>
+                <a:cs typeface="Calibri"/>
+                <a:sym typeface="Calibri"/>
+              </a:defRPr>
+            </a:lvl1pPr>
+            <a:lvl2pPr marR="0" lvl="1" algn="l" rtl="0">
+              <a:lnSpc>
+                <a:spcPct val="100000"/>
+              </a:lnSpc>
+              <a:spcBef>
+                <a:spcPts val="0"/>
+              </a:spcBef>
+              <a:spcAft>
+                <a:spcPts val="0"/>
+              </a:spcAft>
+              <a:buClr>
+                <a:srgbClr val="000000"/>
+              </a:buClr>
+              <a:buSzPts val="1400"/>
+              <a:buFont typeface="Arial"/>
+              <a:buNone/>
+              <a:defRPr sz="1800" b="0" i="0" u="none" strike="noStrike" cap="none">
+                <a:solidFill>
+                  <a:schemeClr val="dk1"/>
+                </a:solidFill>
+                <a:latin typeface="Calibri"/>
+                <a:ea typeface="Calibri"/>
+                <a:cs typeface="Calibri"/>
+                <a:sym typeface="Calibri"/>
+              </a:defRPr>
+            </a:lvl2pPr>
+            <a:lvl3pPr marR="0" lvl="2" algn="l" rtl="0">
+              <a:lnSpc>
+                <a:spcPct val="100000"/>
+              </a:lnSpc>
+              <a:spcBef>
+                <a:spcPts val="0"/>
+              </a:spcBef>
+              <a:spcAft>
+                <a:spcPts val="0"/>
+              </a:spcAft>
+              <a:buClr>
+                <a:srgbClr val="000000"/>
+              </a:buClr>
+              <a:buSzPts val="1400"/>
+              <a:buFont typeface="Arial"/>
+              <a:buNone/>
+              <a:defRPr sz="1800" b="0" i="0" u="none" strike="noStrike" cap="none">
+                <a:solidFill>
+                  <a:schemeClr val="dk1"/>
+                </a:solidFill>
+                <a:latin typeface="Calibri"/>
+                <a:ea typeface="Calibri"/>
+                <a:cs typeface="Calibri"/>
+                <a:sym typeface="Calibri"/>
+              </a:defRPr>
+            </a:lvl3pPr>
+            <a:lvl4pPr marR="0" lvl="3" algn="l" rtl="0">
+              <a:lnSpc>
+                <a:spcPct val="100000"/>
+              </a:lnSpc>
+              <a:spcBef>
+                <a:spcPts val="0"/>
+              </a:spcBef>
+              <a:spcAft>
+                <a:spcPts val="0"/>
+              </a:spcAft>
+              <a:buClr>
+                <a:srgbClr val="000000"/>
+              </a:buClr>
+              <a:buSzPts val="1400"/>
+              <a:buFont typeface="Arial"/>
+              <a:buNone/>
+              <a:defRPr sz="1800" b="0" i="0" u="none" strike="noStrike" cap="none">
+                <a:solidFill>
+                  <a:schemeClr val="dk1"/>
+                </a:solidFill>
+                <a:latin typeface="Calibri"/>
+                <a:ea typeface="Calibri"/>
+                <a:cs typeface="Calibri"/>
+                <a:sym typeface="Calibri"/>
+              </a:defRPr>
+            </a:lvl4pPr>
+            <a:lvl5pPr marR="0" lvl="4" algn="l" rtl="0">
+              <a:lnSpc>
+                <a:spcPct val="100000"/>
+              </a:lnSpc>
+              <a:spcBef>
+                <a:spcPts val="0"/>
+              </a:spcBef>
+              <a:spcAft>
+                <a:spcPts val="0"/>
+              </a:spcAft>
+              <a:buClr>
+                <a:srgbClr val="000000"/>
+              </a:buClr>
+              <a:buSzPts val="1400"/>
+              <a:buFont typeface="Arial"/>
+              <a:buNone/>
+              <a:defRPr sz="1800" b="0" i="0" u="none" strike="noStrike" cap="none">
+                <a:solidFill>
+                  <a:schemeClr val="dk1"/>
+                </a:solidFill>
+                <a:latin typeface="Calibri"/>
+                <a:ea typeface="Calibri"/>
+                <a:cs typeface="Calibri"/>
+                <a:sym typeface="Calibri"/>
+              </a:defRPr>
+            </a:lvl5pPr>
+            <a:lvl6pPr marR="0" lvl="5" algn="l" rtl="0">
+              <a:lnSpc>
+                <a:spcPct val="100000"/>
+              </a:lnSpc>
+              <a:spcBef>
+                <a:spcPts val="0"/>
+              </a:spcBef>
+              <a:spcAft>
+                <a:spcPts val="0"/>
+              </a:spcAft>
+              <a:buClr>
+                <a:srgbClr val="000000"/>
+              </a:buClr>
+              <a:buSzPts val="1400"/>
+              <a:buFont typeface="Arial"/>
+              <a:buNone/>
+              <a:defRPr sz="1800" b="0" i="0" u="none" strike="noStrike" cap="none">
+                <a:solidFill>
+                  <a:schemeClr val="dk1"/>
+                </a:solidFill>
+                <a:latin typeface="Calibri"/>
+                <a:ea typeface="Calibri"/>
+                <a:cs typeface="Calibri"/>
+                <a:sym typeface="Calibri"/>
+              </a:defRPr>
+            </a:lvl6pPr>
+            <a:lvl7pPr marR="0" lvl="6" algn="l" rtl="0">
+              <a:lnSpc>
+                <a:spcPct val="100000"/>
+              </a:lnSpc>
+              <a:spcBef>
+                <a:spcPts val="0"/>
+              </a:spcBef>
+              <a:spcAft>
+                <a:spcPts val="0"/>
+              </a:spcAft>
+              <a:buClr>
+                <a:srgbClr val="000000"/>
+              </a:buClr>
+              <a:buSzPts val="1400"/>
+              <a:buFont typeface="Arial"/>
+              <a:buNone/>
+              <a:defRPr sz="1800" b="0" i="0" u="none" strike="noStrike" cap="none">
+                <a:solidFill>
+                  <a:schemeClr val="dk1"/>
+                </a:solidFill>
+                <a:latin typeface="Calibri"/>
+                <a:ea typeface="Calibri"/>
+                <a:cs typeface="Calibri"/>
+                <a:sym typeface="Calibri"/>
+              </a:defRPr>
+            </a:lvl7pPr>
+            <a:lvl8pPr marR="0" lvl="7" algn="l" rtl="0">
+              <a:lnSpc>
+                <a:spcPct val="100000"/>
+              </a:lnSpc>
+              <a:spcBef>
+                <a:spcPts val="0"/>
+              </a:spcBef>
+              <a:spcAft>
+                <a:spcPts val="0"/>
+              </a:spcAft>
+              <a:buClr>
+                <a:srgbClr val="000000"/>
+              </a:buClr>
+              <a:buSzPts val="1400"/>
+              <a:buFont typeface="Arial"/>
+              <a:buNone/>
+              <a:defRPr sz="1800" b="0" i="0" u="none" strike="noStrike" cap="none">
+                <a:solidFill>
+                  <a:schemeClr val="dk1"/>
+                </a:solidFill>
+                <a:latin typeface="Calibri"/>
+                <a:ea typeface="Calibri"/>
+                <a:cs typeface="Calibri"/>
+                <a:sym typeface="Calibri"/>
+              </a:defRPr>
+            </a:lvl8pPr>
+            <a:lvl9pPr marR="0" lvl="8" algn="l" rtl="0">
+              <a:lnSpc>
+                <a:spcPct val="100000"/>
+              </a:lnSpc>
+              <a:spcBef>
+                <a:spcPts val="0"/>
+              </a:spcBef>
+              <a:spcAft>
+                <a:spcPts val="0"/>
+              </a:spcAft>
+              <a:buClr>
+                <a:srgbClr val="000000"/>
+              </a:buClr>
+              <a:buSzPts val="1400"/>
+              <a:buFont typeface="Arial"/>
+              <a:buNone/>
+              <a:defRPr sz="1800" b="0" i="0" u="none" strike="noStrike" cap="none">
+                <a:solidFill>
+                  <a:schemeClr val="dk1"/>
+                </a:solidFill>
+                <a:latin typeface="Calibri"/>
+                <a:ea typeface="Calibri"/>
+                <a:cs typeface="Calibri"/>
+                <a:sym typeface="Calibri"/>
+              </a:defRPr>
+            </a:lvl9pPr>
+          </a:lstStyle>
+          <a:p>
+            <a:endParaRPr/>
+          </a:p>
+        </p:txBody>
+      </p:sp>
+      <p:sp>
+        <p:nvSpPr>
+          <p:cNvPr id="81" name="Google Shape;81;p41"/>
+          <p:cNvSpPr txBox="1">
+            <a:spLocks noGrp="1"/>
+          </p:cNvSpPr>
+          <p:nvPr>
+            <p:ph type="ftr" idx="11"/>
+          </p:nvPr>
+        </p:nvSpPr>
+        <p:spPr>
+          <a:xfrm>
+            <a:off x="3124200" y="6356352"/>
+            <a:ext cx="2895600" cy="365125"/>
+          </a:xfrm>
+          <a:prstGeom prst="rect">
+            <a:avLst/>
+          </a:prstGeom>
+          <a:noFill/>
+          <a:ln>
+            <a:noFill/>
+          </a:ln>
+        </p:spPr>
+        <p:txBody>
+          <a:bodyPr spcFirstLastPara="1" wrap="square" lIns="91425" tIns="45700" rIns="91425" bIns="45700" anchor="t" anchorCtr="0">
+            <a:noAutofit/>
+          </a:bodyPr>
+          <a:lstStyle>
+            <a:lvl1pPr marR="0" lvl="0" algn="l" rtl="0">
+              <a:lnSpc>
+                <a:spcPct val="100000"/>
+              </a:lnSpc>
+              <a:spcBef>
+                <a:spcPts val="0"/>
+              </a:spcBef>
+              <a:spcAft>
+                <a:spcPts val="0"/>
+              </a:spcAft>
+              <a:buClr>
+                <a:srgbClr val="000000"/>
+              </a:buClr>
+              <a:buSzPts val="1400"/>
+              <a:buFont typeface="Arial"/>
+              <a:buNone/>
+              <a:defRPr sz="1800" b="0" i="0" u="none" strike="noStrike" cap="none">
+                <a:solidFill>
+                  <a:schemeClr val="dk1"/>
+                </a:solidFill>
+                <a:latin typeface="Calibri"/>
+                <a:ea typeface="Calibri"/>
+                <a:cs typeface="Calibri"/>
+                <a:sym typeface="Calibri"/>
+              </a:defRPr>
+            </a:lvl1pPr>
+            <a:lvl2pPr marR="0" lvl="1" algn="l" rtl="0">
+              <a:lnSpc>
+                <a:spcPct val="100000"/>
+              </a:lnSpc>
+              <a:spcBef>
+                <a:spcPts val="0"/>
+              </a:spcBef>
+              <a:spcAft>
+                <a:spcPts val="0"/>
+              </a:spcAft>
+              <a:buClr>
+                <a:srgbClr val="000000"/>
+              </a:buClr>
+              <a:buSzPts val="1400"/>
+              <a:buFont typeface="Arial"/>
+              <a:buNone/>
+              <a:defRPr sz="1800" b="0" i="0" u="none" strike="noStrike" cap="none">
+                <a:solidFill>
+                  <a:schemeClr val="dk1"/>
+                </a:solidFill>
+                <a:latin typeface="Calibri"/>
+                <a:ea typeface="Calibri"/>
+                <a:cs typeface="Calibri"/>
+                <a:sym typeface="Calibri"/>
+              </a:defRPr>
+            </a:lvl2pPr>
+            <a:lvl3pPr marR="0" lvl="2" algn="l" rtl="0">
+              <a:lnSpc>
+                <a:spcPct val="100000"/>
+              </a:lnSpc>
+              <a:spcBef>
+                <a:spcPts val="0"/>
+              </a:spcBef>
+              <a:spcAft>
+                <a:spcPts val="0"/>
+              </a:spcAft>
+              <a:buClr>
+                <a:srgbClr val="000000"/>
+              </a:buClr>
+              <a:buSzPts val="1400"/>
+              <a:buFont typeface="Arial"/>
+              <a:buNone/>
+              <a:defRPr sz="1800" b="0" i="0" u="none" strike="noStrike" cap="none">
+                <a:solidFill>
+                  <a:schemeClr val="dk1"/>
+                </a:solidFill>
+                <a:latin typeface="Calibri"/>
+                <a:ea typeface="Calibri"/>
+                <a:cs typeface="Calibri"/>
+                <a:sym typeface="Calibri"/>
+              </a:defRPr>
+            </a:lvl3pPr>
+            <a:lvl4pPr marR="0" lvl="3" algn="l" rtl="0">
+              <a:lnSpc>
+                <a:spcPct val="100000"/>
+              </a:lnSpc>
+              <a:spcBef>
+                <a:spcPts val="0"/>
+              </a:spcBef>
+              <a:spcAft>
+                <a:spcPts val="0"/>
+              </a:spcAft>
+              <a:buClr>
+                <a:srgbClr val="000000"/>
+              </a:buClr>
+              <a:buSzPts val="1400"/>
+              <a:buFont typeface="Arial"/>
+              <a:buNone/>
+              <a:defRPr sz="1800" b="0" i="0" u="none" strike="noStrike" cap="none">
+                <a:solidFill>
+                  <a:schemeClr val="dk1"/>
+                </a:solidFill>
+                <a:latin typeface="Calibri"/>
+                <a:ea typeface="Calibri"/>
+                <a:cs typeface="Calibri"/>
+                <a:sym typeface="Calibri"/>
+              </a:defRPr>
+            </a:lvl4pPr>
+            <a:lvl5pPr marR="0" lvl="4" algn="l" rtl="0">
+              <a:lnSpc>
+                <a:spcPct val="100000"/>
+              </a:lnSpc>
+              <a:spcBef>
+                <a:spcPts val="0"/>
+              </a:spcBef>
+              <a:spcAft>
+                <a:spcPts val="0"/>
+              </a:spcAft>
+              <a:buClr>
+                <a:srgbClr val="000000"/>
+              </a:buClr>
+              <a:buSzPts val="1400"/>
+              <a:buFont typeface="Arial"/>
+              <a:buNone/>
+              <a:defRPr sz="1800" b="0" i="0" u="none" strike="noStrike" cap="none">
+                <a:solidFill>
+                  <a:schemeClr val="dk1"/>
+                </a:solidFill>
+                <a:latin typeface="Calibri"/>
+                <a:ea typeface="Calibri"/>
+                <a:cs typeface="Calibri"/>
+                <a:sym typeface="Calibri"/>
+              </a:defRPr>
+            </a:lvl5pPr>
+            <a:lvl6pPr marR="0" lvl="5" algn="l" rtl="0">
+              <a:lnSpc>
+                <a:spcPct val="100000"/>
+              </a:lnSpc>
+              <a:spcBef>
+                <a:spcPts val="0"/>
+              </a:spcBef>
+              <a:spcAft>
+                <a:spcPts val="0"/>
+              </a:spcAft>
+              <a:buClr>
+                <a:srgbClr val="000000"/>
+              </a:buClr>
+              <a:buSzPts val="1400"/>
+              <a:buFont typeface="Arial"/>
+              <a:buNone/>
+              <a:defRPr sz="1800" b="0" i="0" u="none" strike="noStrike" cap="none">
+                <a:solidFill>
+                  <a:schemeClr val="dk1"/>
+                </a:solidFill>
+                <a:latin typeface="Calibri"/>
+                <a:ea typeface="Calibri"/>
+                <a:cs typeface="Calibri"/>
+                <a:sym typeface="Calibri"/>
+              </a:defRPr>
+            </a:lvl6pPr>
+            <a:lvl7pPr marR="0" lvl="6" algn="l" rtl="0">
+              <a:lnSpc>
+                <a:spcPct val="100000"/>
+              </a:lnSpc>
+              <a:spcBef>
+                <a:spcPts val="0"/>
+              </a:spcBef>
+              <a:spcAft>
+                <a:spcPts val="0"/>
+              </a:spcAft>
+              <a:buClr>
+                <a:srgbClr val="000000"/>
+              </a:buClr>
+              <a:buSzPts val="1400"/>
+              <a:buFont typeface="Arial"/>
+              <a:buNone/>
+              <a:defRPr sz="1800" b="0" i="0" u="none" strike="noStrike" cap="none">
+                <a:solidFill>
+                  <a:schemeClr val="dk1"/>
+                </a:solidFill>
+                <a:latin typeface="Calibri"/>
+                <a:ea typeface="Calibri"/>
+                <a:cs typeface="Calibri"/>
+                <a:sym typeface="Calibri"/>
+              </a:defRPr>
+            </a:lvl7pPr>
+            <a:lvl8pPr marR="0" lvl="7" algn="l" rtl="0">
+              <a:lnSpc>
+                <a:spcPct val="100000"/>
+              </a:lnSpc>
+              <a:spcBef>
+                <a:spcPts val="0"/>
+              </a:spcBef>
+              <a:spcAft>
+                <a:spcPts val="0"/>
+              </a:spcAft>
+              <a:buClr>
+                <a:srgbClr val="000000"/>
+              </a:buClr>
+              <a:buSzPts val="1400"/>
+              <a:buFont typeface="Arial"/>
+              <a:buNone/>
+              <a:defRPr sz="1800" b="0" i="0" u="none" strike="noStrike" cap="none">
+                <a:solidFill>
+                  <a:schemeClr val="dk1"/>
+                </a:solidFill>
+                <a:latin typeface="Calibri"/>
+                <a:ea typeface="Calibri"/>
+                <a:cs typeface="Calibri"/>
+                <a:sym typeface="Calibri"/>
+              </a:defRPr>
+            </a:lvl8pPr>
+            <a:lvl9pPr marR="0" lvl="8" algn="l" rtl="0">
+              <a:lnSpc>
+                <a:spcPct val="100000"/>
+              </a:lnSpc>
+              <a:spcBef>
+                <a:spcPts val="0"/>
+              </a:spcBef>
+              <a:spcAft>
+                <a:spcPts val="0"/>
+              </a:spcAft>
+              <a:buClr>
+                <a:srgbClr val="000000"/>
+              </a:buClr>
+              <a:buSzPts val="1400"/>
+              <a:buFont typeface="Arial"/>
+              <a:buNone/>
+              <a:defRPr sz="1800" b="0" i="0" u="none" strike="noStrike" cap="none">
+                <a:solidFill>
+                  <a:schemeClr val="dk1"/>
+                </a:solidFill>
+                <a:latin typeface="Calibri"/>
+                <a:ea typeface="Calibri"/>
+                <a:cs typeface="Calibri"/>
+                <a:sym typeface="Calibri"/>
+              </a:defRPr>
+            </a:lvl9pPr>
+          </a:lstStyle>
+          <a:p>
+            <a:endParaRPr/>
+          </a:p>
+        </p:txBody>
+      </p:sp>
+      <p:sp>
+        <p:nvSpPr>
+          <p:cNvPr id="82" name="Google Shape;82;p41"/>
+          <p:cNvSpPr txBox="1">
+            <a:spLocks noGrp="1"/>
+          </p:cNvSpPr>
+          <p:nvPr>
+            <p:ph type="sldNum" idx="12"/>
+          </p:nvPr>
+        </p:nvSpPr>
+        <p:spPr>
+          <a:xfrm>
+            <a:off x="6553200" y="6356352"/>
+            <a:ext cx="2133600" cy="365125"/>
+          </a:xfrm>
+          <a:prstGeom prst="rect">
+            <a:avLst/>
+          </a:prstGeom>
+          <a:noFill/>
+          <a:ln>
+            <a:noFill/>
+          </a:ln>
+        </p:spPr>
+        <p:txBody>
+          <a:bodyPr spcFirstLastPara="1" wrap="square" lIns="91425" tIns="45700" rIns="91425" bIns="45700" anchor="t" anchorCtr="0">
+            <a:noAutofit/>
+          </a:bodyPr>
+          <a:lstStyle>
+            <a:lvl1pPr marL="0" marR="0" lvl="0" indent="0" algn="l" rtl="0">
+              <a:lnSpc>
+                <a:spcPct val="100000"/>
+              </a:lnSpc>
+              <a:spcBef>
+                <a:spcPts val="0"/>
+              </a:spcBef>
+              <a:spcAft>
+                <a:spcPts val="0"/>
+              </a:spcAft>
+              <a:buClr>
+                <a:srgbClr val="000000"/>
+              </a:buClr>
+              <a:buSzPts val="1800"/>
+              <a:buFont typeface="Arial"/>
+              <a:buNone/>
+              <a:defRPr sz="1800" b="0" i="0" u="none" strike="noStrike" cap="none">
+                <a:solidFill>
+                  <a:srgbClr val="000000"/>
+                </a:solidFill>
+                <a:latin typeface="Calibri"/>
+                <a:ea typeface="Calibri"/>
+                <a:cs typeface="Calibri"/>
+                <a:sym typeface="Calibri"/>
+              </a:defRPr>
+            </a:lvl1pPr>
+            <a:lvl2pPr marL="0" marR="0" lvl="1" indent="0" algn="l" rtl="0">
+              <a:lnSpc>
+                <a:spcPct val="100000"/>
+              </a:lnSpc>
+              <a:spcBef>
+                <a:spcPts val="0"/>
+              </a:spcBef>
+              <a:spcAft>
+                <a:spcPts val="0"/>
+              </a:spcAft>
+              <a:buClr>
+                <a:srgbClr val="000000"/>
+              </a:buClr>
+              <a:buSzPts val="1800"/>
+              <a:buFont typeface="Arial"/>
+              <a:buNone/>
+              <a:defRPr sz="1800" b="0" i="0" u="none" strike="noStrike" cap="none">
+                <a:solidFill>
+                  <a:srgbClr val="000000"/>
+                </a:solidFill>
+                <a:latin typeface="Calibri"/>
+                <a:ea typeface="Calibri"/>
+                <a:cs typeface="Calibri"/>
+                <a:sym typeface="Calibri"/>
+              </a:defRPr>
+            </a:lvl2pPr>
+            <a:lvl3pPr marL="0" marR="0" lvl="2" indent="0" algn="l" rtl="0">
+              <a:lnSpc>
+                <a:spcPct val="100000"/>
+              </a:lnSpc>
+              <a:spcBef>
+                <a:spcPts val="0"/>
+              </a:spcBef>
+              <a:spcAft>
+                <a:spcPts val="0"/>
+              </a:spcAft>
+              <a:buClr>
+                <a:srgbClr val="000000"/>
+              </a:buClr>
+              <a:buSzPts val="1800"/>
+              <a:buFont typeface="Arial"/>
+              <a:buNone/>
+              <a:defRPr sz="1800" b="0" i="0" u="none" strike="noStrike" cap="none">
+                <a:solidFill>
+                  <a:srgbClr val="000000"/>
+                </a:solidFill>
+                <a:latin typeface="Calibri"/>
+                <a:ea typeface="Calibri"/>
+                <a:cs typeface="Calibri"/>
+                <a:sym typeface="Calibri"/>
+              </a:defRPr>
+            </a:lvl3pPr>
+            <a:lvl4pPr marL="0" marR="0" lvl="3" indent="0" algn="l" rtl="0">
+              <a:lnSpc>
+                <a:spcPct val="100000"/>
+              </a:lnSpc>
+              <a:spcBef>
+                <a:spcPts val="0"/>
+              </a:spcBef>
+              <a:spcAft>
+                <a:spcPts val="0"/>
+              </a:spcAft>
+              <a:buClr>
+                <a:srgbClr val="000000"/>
+              </a:buClr>
+              <a:buSzPts val="1800"/>
+              <a:buFont typeface="Arial"/>
+              <a:buNone/>
+              <a:defRPr sz="1800" b="0" i="0" u="none" strike="noStrike" cap="none">
+                <a:solidFill>
+                  <a:srgbClr val="000000"/>
+                </a:solidFill>
+                <a:latin typeface="Calibri"/>
+                <a:ea typeface="Calibri"/>
+                <a:cs typeface="Calibri"/>
+                <a:sym typeface="Calibri"/>
+              </a:defRPr>
+            </a:lvl4pPr>
+            <a:lvl5pPr marL="0" marR="0" lvl="4" indent="0" algn="l" rtl="0">
+              <a:lnSpc>
+                <a:spcPct val="100000"/>
+              </a:lnSpc>
+              <a:spcBef>
+                <a:spcPts val="0"/>
+              </a:spcBef>
+              <a:spcAft>
+                <a:spcPts val="0"/>
+              </a:spcAft>
+              <a:buClr>
+                <a:srgbClr val="000000"/>
+              </a:buClr>
+              <a:buSzPts val="1800"/>
+              <a:buFont typeface="Arial"/>
+              <a:buNone/>
+              <a:defRPr sz="1800" b="0" i="0" u="none" strike="noStrike" cap="none">
+                <a:solidFill>
+                  <a:srgbClr val="000000"/>
+                </a:solidFill>
+                <a:latin typeface="Calibri"/>
+                <a:ea typeface="Calibri"/>
+                <a:cs typeface="Calibri"/>
+                <a:sym typeface="Calibri"/>
+              </a:defRPr>
+            </a:lvl5pPr>
+            <a:lvl6pPr marL="0" marR="0" lvl="5" indent="0" algn="l" rtl="0">
+              <a:lnSpc>
+                <a:spcPct val="100000"/>
+              </a:lnSpc>
+              <a:spcBef>
+                <a:spcPts val="0"/>
+              </a:spcBef>
+              <a:spcAft>
+                <a:spcPts val="0"/>
+              </a:spcAft>
+              <a:buClr>
+                <a:srgbClr val="000000"/>
+              </a:buClr>
+              <a:buSzPts val="1800"/>
+              <a:buFont typeface="Arial"/>
+              <a:buNone/>
+              <a:defRPr sz="1800" b="0" i="0" u="none" strike="noStrike" cap="none">
+                <a:solidFill>
+                  <a:srgbClr val="000000"/>
+                </a:solidFill>
+                <a:latin typeface="Calibri"/>
+                <a:ea typeface="Calibri"/>
+                <a:cs typeface="Calibri"/>
+                <a:sym typeface="Calibri"/>
+              </a:defRPr>
+            </a:lvl6pPr>
+            <a:lvl7pPr marL="0" marR="0" lvl="6" indent="0" algn="l" rtl="0">
+              <a:lnSpc>
+                <a:spcPct val="100000"/>
+              </a:lnSpc>
+              <a:spcBef>
+                <a:spcPts val="0"/>
+              </a:spcBef>
+              <a:spcAft>
+                <a:spcPts val="0"/>
+              </a:spcAft>
+              <a:buClr>
+                <a:srgbClr val="000000"/>
+              </a:buClr>
+              <a:buSzPts val="1800"/>
+              <a:buFont typeface="Arial"/>
+              <a:buNone/>
+              <a:defRPr sz="1800" b="0" i="0" u="none" strike="noStrike" cap="none">
+                <a:solidFill>
+                  <a:srgbClr val="000000"/>
+                </a:solidFill>
+                <a:latin typeface="Calibri"/>
+                <a:ea typeface="Calibri"/>
+                <a:cs typeface="Calibri"/>
+                <a:sym typeface="Calibri"/>
+              </a:defRPr>
+            </a:lvl7pPr>
+            <a:lvl8pPr marL="0" marR="0" lvl="7" indent="0" algn="l" rtl="0">
+              <a:lnSpc>
+                <a:spcPct val="100000"/>
+              </a:lnSpc>
+              <a:spcBef>
+                <a:spcPts val="0"/>
+              </a:spcBef>
+              <a:spcAft>
+                <a:spcPts val="0"/>
+              </a:spcAft>
+              <a:buClr>
+                <a:srgbClr val="000000"/>
+              </a:buClr>
+              <a:buSzPts val="1800"/>
+              <a:buFont typeface="Arial"/>
+              <a:buNone/>
+              <a:defRPr sz="1800" b="0" i="0" u="none" strike="noStrike" cap="none">
+                <a:solidFill>
+                  <a:srgbClr val="000000"/>
+                </a:solidFill>
+                <a:latin typeface="Calibri"/>
+                <a:ea typeface="Calibri"/>
+                <a:cs typeface="Calibri"/>
+                <a:sym typeface="Calibri"/>
+              </a:defRPr>
+            </a:lvl8pPr>
+            <a:lvl9pPr marL="0" marR="0" lvl="8" indent="0" algn="l" rtl="0">
+              <a:lnSpc>
+                <a:spcPct val="100000"/>
+              </a:lnSpc>
+              <a:spcBef>
+                <a:spcPts val="0"/>
+              </a:spcBef>
+              <a:spcAft>
+                <a:spcPts val="0"/>
+              </a:spcAft>
+              <a:buClr>
+                <a:srgbClr val="000000"/>
+              </a:buClr>
+              <a:buSzPts val="1800"/>
+              <a:buFont typeface="Arial"/>
+              <a:buNone/>
+              <a:defRPr sz="1800" b="0" i="0" u="none" strike="noStrike" cap="none">
+                <a:solidFill>
+                  <a:srgbClr val="000000"/>
+                </a:solidFill>
+                <a:latin typeface="Calibri"/>
+                <a:ea typeface="Calibri"/>
+                <a:cs typeface="Calibri"/>
+                <a:sym typeface="Calibri"/>
+              </a:defRPr>
+            </a:lvl9pPr>
+          </a:lstStyle>
+          <a:p>
+            <a:pPr marL="0" lvl="0" indent="0" algn="l" rtl="0">
+              <a:spcBef>
+                <a:spcPts val="0"/>
+              </a:spcBef>
+              <a:spcAft>
+                <a:spcPts val="0"/>
+              </a:spcAft>
+              <a:buNone/>
+            </a:pPr>
+            <a:fld id="{00000000-1234-1234-1234-123412341234}" type="slidenum">
+              <a:rPr lang="en-US"/>
+              <a:t>‹#›</a:t>
+            </a:fld>
+            <a:endParaRPr/>
+          </a:p>
+        </p:txBody>
+      </p:sp>
+    </p:spTree>
+  </p:cSld>
+  <p:clrMapOvr>
+    <a:masterClrMapping/>
+  </p:clrMapOvr>
+</p:sldLayout>
+</file>
+
+<file path=ppt/slideLayouts/slideLayout11.xml><?xml version="1.0" encoding="utf-8"?>
 <p:sldLayout xmlns:a="http://schemas.openxmlformats.org/drawingml/2006/main" xmlns:r="http://schemas.openxmlformats.org/officeDocument/2006/relationships" xmlns:p="http://schemas.openxmlformats.org/presentationml/2006/main" matchingName="Vertical Title and Text" type="vertTitleAndTx">
   <p:cSld name="VERTICAL_TITLE_AND_VERTICAL_TEXT">
     <p:spTree>
@@ -3801,6 +5106,481 @@
 </file>
 
 <file path=ppt/slideLayouts/slideLayout2.xml><?xml version="1.0" encoding="utf-8"?>
+<p:sldLayout xmlns:a="http://schemas.openxmlformats.org/drawingml/2006/main" xmlns:r="http://schemas.openxmlformats.org/officeDocument/2006/relationships" xmlns:p="http://schemas.openxmlformats.org/presentationml/2006/main" matchingName="Title and Content" type="obj">
+  <p:cSld name="OBJECT">
+    <p:spTree>
+      <p:nvGrpSpPr>
+        <p:cNvPr id="1" name="Shape 27"/>
+        <p:cNvGrpSpPr/>
+        <p:nvPr/>
+      </p:nvGrpSpPr>
+      <p:grpSpPr>
+        <a:xfrm>
+          <a:off x="0" y="0"/>
+          <a:ext cx="0" cy="0"/>
+          <a:chOff x="0" y="0"/>
+          <a:chExt cx="0" cy="0"/>
+        </a:xfrm>
+      </p:grpSpPr>
+      <p:sp>
+        <p:nvSpPr>
+          <p:cNvPr id="28" name="Google Shape;28;p33"/>
+          <p:cNvSpPr txBox="1">
+            <a:spLocks noGrp="1"/>
+          </p:cNvSpPr>
+          <p:nvPr>
+            <p:ph type="title"/>
+          </p:nvPr>
+        </p:nvSpPr>
+        <p:spPr>
+          <a:xfrm>
+            <a:off x="1097492" y="249377"/>
+            <a:ext cx="7488009" cy="778098"/>
+          </a:xfrm>
+          <a:prstGeom prst="rect">
+            <a:avLst/>
+          </a:prstGeom>
+          <a:solidFill>
+            <a:srgbClr val="002060"/>
+          </a:solidFill>
+          <a:ln>
+            <a:noFill/>
+          </a:ln>
+        </p:spPr>
+        <p:txBody>
+          <a:bodyPr spcFirstLastPara="1" wrap="square" lIns="91425" tIns="45700" rIns="91425" bIns="45700" anchor="ctr" anchorCtr="0">
+            <a:noAutofit/>
+          </a:bodyPr>
+          <a:lstStyle>
+            <a:lvl1pPr lvl="0" algn="ctr">
+              <a:lnSpc>
+                <a:spcPct val="100000"/>
+              </a:lnSpc>
+              <a:spcBef>
+                <a:spcPts val="0"/>
+              </a:spcBef>
+              <a:spcAft>
+                <a:spcPts val="0"/>
+              </a:spcAft>
+              <a:buClr>
+                <a:schemeClr val="lt1"/>
+              </a:buClr>
+              <a:buSzPts val="2800"/>
+              <a:buFont typeface="Calibri"/>
+              <a:buNone/>
+              <a:defRPr sz="2800">
+                <a:solidFill>
+                  <a:schemeClr val="lt1"/>
+                </a:solidFill>
+              </a:defRPr>
+            </a:lvl1pPr>
+            <a:lvl2pPr lvl="1" algn="l">
+              <a:lnSpc>
+                <a:spcPct val="100000"/>
+              </a:lnSpc>
+              <a:spcBef>
+                <a:spcPts val="0"/>
+              </a:spcBef>
+              <a:spcAft>
+                <a:spcPts val="0"/>
+              </a:spcAft>
+              <a:buSzPts val="1400"/>
+              <a:buNone/>
+              <a:defRPr/>
+            </a:lvl2pPr>
+            <a:lvl3pPr lvl="2" algn="l">
+              <a:lnSpc>
+                <a:spcPct val="100000"/>
+              </a:lnSpc>
+              <a:spcBef>
+                <a:spcPts val="0"/>
+              </a:spcBef>
+              <a:spcAft>
+                <a:spcPts val="0"/>
+              </a:spcAft>
+              <a:buSzPts val="1400"/>
+              <a:buNone/>
+              <a:defRPr/>
+            </a:lvl3pPr>
+            <a:lvl4pPr lvl="3" algn="l">
+              <a:lnSpc>
+                <a:spcPct val="100000"/>
+              </a:lnSpc>
+              <a:spcBef>
+                <a:spcPts val="0"/>
+              </a:spcBef>
+              <a:spcAft>
+                <a:spcPts val="0"/>
+              </a:spcAft>
+              <a:buSzPts val="1400"/>
+              <a:buNone/>
+              <a:defRPr/>
+            </a:lvl4pPr>
+            <a:lvl5pPr lvl="4" algn="l">
+              <a:lnSpc>
+                <a:spcPct val="100000"/>
+              </a:lnSpc>
+              <a:spcBef>
+                <a:spcPts val="0"/>
+              </a:spcBef>
+              <a:spcAft>
+                <a:spcPts val="0"/>
+              </a:spcAft>
+              <a:buSzPts val="1400"/>
+              <a:buNone/>
+              <a:defRPr/>
+            </a:lvl5pPr>
+            <a:lvl6pPr lvl="5" algn="l">
+              <a:lnSpc>
+                <a:spcPct val="100000"/>
+              </a:lnSpc>
+              <a:spcBef>
+                <a:spcPts val="0"/>
+              </a:spcBef>
+              <a:spcAft>
+                <a:spcPts val="0"/>
+              </a:spcAft>
+              <a:buSzPts val="1400"/>
+              <a:buNone/>
+              <a:defRPr/>
+            </a:lvl6pPr>
+            <a:lvl7pPr lvl="6" algn="l">
+              <a:lnSpc>
+                <a:spcPct val="100000"/>
+              </a:lnSpc>
+              <a:spcBef>
+                <a:spcPts val="0"/>
+              </a:spcBef>
+              <a:spcAft>
+                <a:spcPts val="0"/>
+              </a:spcAft>
+              <a:buSzPts val="1400"/>
+              <a:buNone/>
+              <a:defRPr/>
+            </a:lvl7pPr>
+            <a:lvl8pPr lvl="7" algn="l">
+              <a:lnSpc>
+                <a:spcPct val="100000"/>
+              </a:lnSpc>
+              <a:spcBef>
+                <a:spcPts val="0"/>
+              </a:spcBef>
+              <a:spcAft>
+                <a:spcPts val="0"/>
+              </a:spcAft>
+              <a:buSzPts val="1400"/>
+              <a:buNone/>
+              <a:defRPr/>
+            </a:lvl8pPr>
+            <a:lvl9pPr lvl="8" algn="l">
+              <a:lnSpc>
+                <a:spcPct val="100000"/>
+              </a:lnSpc>
+              <a:spcBef>
+                <a:spcPts val="0"/>
+              </a:spcBef>
+              <a:spcAft>
+                <a:spcPts val="0"/>
+              </a:spcAft>
+              <a:buSzPts val="1400"/>
+              <a:buNone/>
+              <a:defRPr/>
+            </a:lvl9pPr>
+          </a:lstStyle>
+          <a:p>
+            <a:endParaRPr/>
+          </a:p>
+        </p:txBody>
+      </p:sp>
+      <p:sp>
+        <p:nvSpPr>
+          <p:cNvPr id="29" name="Google Shape;29;p33"/>
+          <p:cNvSpPr txBox="1">
+            <a:spLocks noGrp="1"/>
+          </p:cNvSpPr>
+          <p:nvPr>
+            <p:ph type="body" idx="1"/>
+          </p:nvPr>
+        </p:nvSpPr>
+        <p:spPr>
+          <a:xfrm>
+            <a:off x="251519" y="1379952"/>
+            <a:ext cx="8640960" cy="5001376"/>
+          </a:xfrm>
+          <a:prstGeom prst="rect">
+            <a:avLst/>
+          </a:prstGeom>
+          <a:noFill/>
+          <a:ln>
+            <a:noFill/>
+          </a:ln>
+        </p:spPr>
+        <p:txBody>
+          <a:bodyPr spcFirstLastPara="1" wrap="square" lIns="91425" tIns="45700" rIns="91425" bIns="45700" anchor="t" anchorCtr="0">
+            <a:normAutofit/>
+          </a:bodyPr>
+          <a:lstStyle>
+            <a:lvl1pPr marL="457200" lvl="0" indent="-406400" algn="l">
+              <a:lnSpc>
+                <a:spcPct val="100000"/>
+              </a:lnSpc>
+              <a:spcBef>
+                <a:spcPts val="560"/>
+              </a:spcBef>
+              <a:spcAft>
+                <a:spcPts val="0"/>
+              </a:spcAft>
+              <a:buClr>
+                <a:schemeClr val="dk1"/>
+              </a:buClr>
+              <a:buSzPts val="2800"/>
+              <a:buChar char="•"/>
+              <a:defRPr sz="2800"/>
+            </a:lvl1pPr>
+            <a:lvl2pPr marL="914400" lvl="1" indent="-381000" algn="l">
+              <a:lnSpc>
+                <a:spcPct val="100000"/>
+              </a:lnSpc>
+              <a:spcBef>
+                <a:spcPts val="480"/>
+              </a:spcBef>
+              <a:spcAft>
+                <a:spcPts val="0"/>
+              </a:spcAft>
+              <a:buClr>
+                <a:schemeClr val="dk1"/>
+              </a:buClr>
+              <a:buSzPts val="2400"/>
+              <a:buChar char="–"/>
+              <a:defRPr sz="2400"/>
+            </a:lvl2pPr>
+            <a:lvl3pPr marL="1371600" lvl="2" indent="-355600" algn="l">
+              <a:lnSpc>
+                <a:spcPct val="100000"/>
+              </a:lnSpc>
+              <a:spcBef>
+                <a:spcPts val="400"/>
+              </a:spcBef>
+              <a:spcAft>
+                <a:spcPts val="0"/>
+              </a:spcAft>
+              <a:buClr>
+                <a:schemeClr val="dk1"/>
+              </a:buClr>
+              <a:buSzPts val="2000"/>
+              <a:buChar char="•"/>
+              <a:defRPr sz="2000"/>
+            </a:lvl3pPr>
+            <a:lvl4pPr marL="1828800" lvl="3" indent="-342900" algn="l">
+              <a:lnSpc>
+                <a:spcPct val="100000"/>
+              </a:lnSpc>
+              <a:spcBef>
+                <a:spcPts val="360"/>
+              </a:spcBef>
+              <a:spcAft>
+                <a:spcPts val="0"/>
+              </a:spcAft>
+              <a:buClr>
+                <a:schemeClr val="dk1"/>
+              </a:buClr>
+              <a:buSzPts val="1800"/>
+              <a:buChar char="–"/>
+              <a:defRPr sz="1800"/>
+            </a:lvl4pPr>
+            <a:lvl5pPr marL="2286000" lvl="4" indent="-342900" algn="l">
+              <a:lnSpc>
+                <a:spcPct val="100000"/>
+              </a:lnSpc>
+              <a:spcBef>
+                <a:spcPts val="360"/>
+              </a:spcBef>
+              <a:spcAft>
+                <a:spcPts val="0"/>
+              </a:spcAft>
+              <a:buClr>
+                <a:schemeClr val="dk1"/>
+              </a:buClr>
+              <a:buSzPts val="1800"/>
+              <a:buChar char="»"/>
+              <a:defRPr sz="1800"/>
+            </a:lvl5pPr>
+            <a:lvl6pPr marL="2743200" lvl="5" indent="-342900" algn="l">
+              <a:lnSpc>
+                <a:spcPct val="100000"/>
+              </a:lnSpc>
+              <a:spcBef>
+                <a:spcPts val="360"/>
+              </a:spcBef>
+              <a:spcAft>
+                <a:spcPts val="0"/>
+              </a:spcAft>
+              <a:buClr>
+                <a:schemeClr val="dk1"/>
+              </a:buClr>
+              <a:buSzPts val="1800"/>
+              <a:buChar char="•"/>
+              <a:defRPr/>
+            </a:lvl6pPr>
+            <a:lvl7pPr marL="3200400" lvl="6" indent="-342900" algn="l">
+              <a:lnSpc>
+                <a:spcPct val="100000"/>
+              </a:lnSpc>
+              <a:spcBef>
+                <a:spcPts val="360"/>
+              </a:spcBef>
+              <a:spcAft>
+                <a:spcPts val="0"/>
+              </a:spcAft>
+              <a:buClr>
+                <a:schemeClr val="dk1"/>
+              </a:buClr>
+              <a:buSzPts val="1800"/>
+              <a:buChar char="•"/>
+              <a:defRPr/>
+            </a:lvl7pPr>
+            <a:lvl8pPr marL="3657600" lvl="7" indent="-342900" algn="l">
+              <a:lnSpc>
+                <a:spcPct val="100000"/>
+              </a:lnSpc>
+              <a:spcBef>
+                <a:spcPts val="360"/>
+              </a:spcBef>
+              <a:spcAft>
+                <a:spcPts val="0"/>
+              </a:spcAft>
+              <a:buClr>
+                <a:schemeClr val="dk1"/>
+              </a:buClr>
+              <a:buSzPts val="1800"/>
+              <a:buChar char="•"/>
+              <a:defRPr/>
+            </a:lvl8pPr>
+            <a:lvl9pPr marL="4114800" lvl="8" indent="-342900" algn="l">
+              <a:lnSpc>
+                <a:spcPct val="100000"/>
+              </a:lnSpc>
+              <a:spcBef>
+                <a:spcPts val="360"/>
+              </a:spcBef>
+              <a:spcAft>
+                <a:spcPts val="0"/>
+              </a:spcAft>
+              <a:buClr>
+                <a:schemeClr val="dk1"/>
+              </a:buClr>
+              <a:buSzPts val="1800"/>
+              <a:buChar char="•"/>
+              <a:defRPr/>
+            </a:lvl9pPr>
+          </a:lstStyle>
+          <a:p>
+            <a:endParaRPr/>
+          </a:p>
+        </p:txBody>
+      </p:sp>
+      <p:pic>
+        <p:nvPicPr>
+          <p:cNvPr id="30" name="Google Shape;30;p33"/>
+          <p:cNvPicPr preferRelativeResize="0"/>
+          <p:nvPr/>
+        </p:nvPicPr>
+        <p:blipFill rotWithShape="1">
+          <a:blip r:embed="rId2">
+            <a:alphaModFix/>
+          </a:blip>
+          <a:srcRect/>
+          <a:stretch/>
+        </p:blipFill>
+        <p:spPr>
+          <a:xfrm>
+            <a:off x="179513" y="188640"/>
+            <a:ext cx="764704" cy="764704"/>
+          </a:xfrm>
+          <a:prstGeom prst="rect">
+            <a:avLst/>
+          </a:prstGeom>
+          <a:noFill/>
+          <a:ln>
+            <a:noFill/>
+          </a:ln>
+        </p:spPr>
+      </p:pic>
+      <p:sp>
+        <p:nvSpPr>
+          <p:cNvPr id="31" name="Google Shape;31;p33"/>
+          <p:cNvSpPr txBox="1"/>
+          <p:nvPr/>
+        </p:nvSpPr>
+        <p:spPr>
+          <a:xfrm>
+            <a:off x="179512" y="908720"/>
+            <a:ext cx="936104" cy="338554"/>
+          </a:xfrm>
+          <a:prstGeom prst="rect">
+            <a:avLst/>
+          </a:prstGeom>
+          <a:noFill/>
+          <a:ln>
+            <a:noFill/>
+          </a:ln>
+        </p:spPr>
+        <p:txBody>
+          <a:bodyPr spcFirstLastPara="1" wrap="square" lIns="91425" tIns="45700" rIns="91425" bIns="45700" anchor="t" anchorCtr="0">
+            <a:spAutoFit/>
+          </a:bodyPr>
+          <a:lstStyle/>
+          <a:p>
+            <a:pPr marL="0" marR="0" lvl="0" indent="0" algn="l" rtl="0">
+              <a:lnSpc>
+                <a:spcPct val="100000"/>
+              </a:lnSpc>
+              <a:spcBef>
+                <a:spcPts val="0"/>
+              </a:spcBef>
+              <a:spcAft>
+                <a:spcPts val="0"/>
+              </a:spcAft>
+              <a:buClr>
+                <a:srgbClr val="000000"/>
+              </a:buClr>
+              <a:buSzPts val="1600"/>
+              <a:buFont typeface="Arial"/>
+              <a:buNone/>
+            </a:pPr>
+            <a:r>
+              <a:rPr lang="en-US" sz="1600" b="1" i="0" u="none" strike="noStrike" cap="none">
+                <a:solidFill>
+                  <a:schemeClr val="dk1"/>
+                </a:solidFill>
+                <a:latin typeface="Arial"/>
+                <a:ea typeface="Arial"/>
+                <a:cs typeface="Arial"/>
+                <a:sym typeface="Arial"/>
+              </a:rPr>
+              <a:t>BMKG</a:t>
+            </a:r>
+            <a:endParaRPr sz="1600" b="1" i="0" u="none" strike="noStrike" cap="none">
+              <a:solidFill>
+                <a:schemeClr val="dk1"/>
+              </a:solidFill>
+              <a:latin typeface="Arial"/>
+              <a:ea typeface="Arial"/>
+              <a:cs typeface="Arial"/>
+              <a:sym typeface="Arial"/>
+            </a:endParaRPr>
+          </a:p>
+        </p:txBody>
+      </p:sp>
+    </p:spTree>
+  </p:cSld>
+  <p:clrMapOvr>
+    <a:masterClrMapping/>
+  </p:clrMapOvr>
+</p:sldLayout>
+</file>
+
+<file path=ppt/slideLayouts/slideLayout3.xml><?xml version="1.0" encoding="utf-8"?>
 <p:sldLayout xmlns:a="http://schemas.openxmlformats.org/drawingml/2006/main" xmlns:r="http://schemas.openxmlformats.org/officeDocument/2006/relationships" xmlns:p="http://schemas.openxmlformats.org/presentationml/2006/main" matchingName="Section Header" type="secHead">
   <p:cSld name="SECTION_HEADER">
     <p:spTree>
@@ -5029,7 +6809,7 @@
 </p:sldLayout>
 </file>
 
-<file path=ppt/slideLayouts/slideLayout3.xml><?xml version="1.0" encoding="utf-8"?>
+<file path=ppt/slideLayouts/slideLayout4.xml><?xml version="1.0" encoding="utf-8"?>
 <p:sldLayout xmlns:a="http://schemas.openxmlformats.org/drawingml/2006/main" xmlns:r="http://schemas.openxmlformats.org/officeDocument/2006/relationships" xmlns:p="http://schemas.openxmlformats.org/presentationml/2006/main" matchingName="Two Content" type="twoObj">
   <p:cSld name="TWO_OBJECTS">
     <p:spTree>
@@ -6408,7 +8188,7 @@
 </p:sldLayout>
 </file>
 
-<file path=ppt/slideLayouts/slideLayout4.xml><?xml version="1.0" encoding="utf-8"?>
+<file path=ppt/slideLayouts/slideLayout5.xml><?xml version="1.0" encoding="utf-8"?>
 <p:sldLayout xmlns:a="http://schemas.openxmlformats.org/drawingml/2006/main" xmlns:r="http://schemas.openxmlformats.org/officeDocument/2006/relationships" xmlns:p="http://schemas.openxmlformats.org/presentationml/2006/main" matchingName="Comparison" type="twoTxTwoObj">
   <p:cSld name="TWO_OBJECTS_WITH_TEXT">
     <p:spTree>
@@ -8162,7 +9942,7 @@
 </p:sldLayout>
 </file>
 
-<file path=ppt/slideLayouts/slideLayout5.xml><?xml version="1.0" encoding="utf-8"?>
+<file path=ppt/slideLayouts/slideLayout6.xml><?xml version="1.0" encoding="utf-8"?>
 <p:sldLayout xmlns:a="http://schemas.openxmlformats.org/drawingml/2006/main" xmlns:r="http://schemas.openxmlformats.org/officeDocument/2006/relationships" xmlns:p="http://schemas.openxmlformats.org/presentationml/2006/main" matchingName="Title Only" type="titleOnly">
   <p:cSld name="TITLE_ONLY">
     <p:spTree>
@@ -9167,7 +10947,7 @@
 </p:sldLayout>
 </file>
 
-<file path=ppt/slideLayouts/slideLayout6.xml><?xml version="1.0" encoding="utf-8"?>
+<file path=ppt/slideLayouts/slideLayout7.xml><?xml version="1.0" encoding="utf-8"?>
 <p:sldLayout xmlns:a="http://schemas.openxmlformats.org/drawingml/2006/main" xmlns:r="http://schemas.openxmlformats.org/officeDocument/2006/relationships" xmlns:p="http://schemas.openxmlformats.org/presentationml/2006/main" matchingName="Blank" type="blank">
   <p:cSld name="BLANK">
     <p:spTree>
@@ -10009,7 +11789,7 @@
 </p:sldLayout>
 </file>
 
-<file path=ppt/slideLayouts/slideLayout7.xml><?xml version="1.0" encoding="utf-8"?>
+<file path=ppt/slideLayouts/slideLayout8.xml><?xml version="1.0" encoding="utf-8"?>
 <p:sldLayout xmlns:a="http://schemas.openxmlformats.org/drawingml/2006/main" xmlns:r="http://schemas.openxmlformats.org/officeDocument/2006/relationships" xmlns:p="http://schemas.openxmlformats.org/presentationml/2006/main" matchingName="Content with Caption" type="objTx">
   <p:cSld name="OBJECT_WITH_CAPTION_TEXT">
     <p:spTree>
@@ -11389,7 +13169,7 @@
 </p:sldLayout>
 </file>
 
-<file path=ppt/slideLayouts/slideLayout8.xml><?xml version="1.0" encoding="utf-8"?>
+<file path=ppt/slideLayouts/slideLayout9.xml><?xml version="1.0" encoding="utf-8"?>
 <p:sldLayout xmlns:a="http://schemas.openxmlformats.org/drawingml/2006/main" xmlns:r="http://schemas.openxmlformats.org/officeDocument/2006/relationships" xmlns:p="http://schemas.openxmlformats.org/presentationml/2006/main" matchingName="Picture with Caption" type="picTx">
   <p:cSld name="PICTURE_WITH_CAPTION_TEXT">
     <p:spTree>
@@ -12320,1198 +14100,6 @@
       <p:sp>
         <p:nvSpPr>
           <p:cNvPr id="76" name="Google Shape;76;p40"/>
-          <p:cNvSpPr txBox="1">
-            <a:spLocks noGrp="1"/>
-          </p:cNvSpPr>
-          <p:nvPr>
-            <p:ph type="sldNum" idx="12"/>
-          </p:nvPr>
-        </p:nvSpPr>
-        <p:spPr>
-          <a:xfrm>
-            <a:off x="6553200" y="6356352"/>
-            <a:ext cx="2133600" cy="365125"/>
-          </a:xfrm>
-          <a:prstGeom prst="rect">
-            <a:avLst/>
-          </a:prstGeom>
-          <a:noFill/>
-          <a:ln>
-            <a:noFill/>
-          </a:ln>
-        </p:spPr>
-        <p:txBody>
-          <a:bodyPr spcFirstLastPara="1" wrap="square" lIns="91425" tIns="45700" rIns="91425" bIns="45700" anchor="t" anchorCtr="0">
-            <a:noAutofit/>
-          </a:bodyPr>
-          <a:lstStyle>
-            <a:lvl1pPr marL="0" marR="0" lvl="0" indent="0" algn="l" rtl="0">
-              <a:lnSpc>
-                <a:spcPct val="100000"/>
-              </a:lnSpc>
-              <a:spcBef>
-                <a:spcPts val="0"/>
-              </a:spcBef>
-              <a:spcAft>
-                <a:spcPts val="0"/>
-              </a:spcAft>
-              <a:buClr>
-                <a:srgbClr val="000000"/>
-              </a:buClr>
-              <a:buSzPts val="1800"/>
-              <a:buFont typeface="Arial"/>
-              <a:buNone/>
-              <a:defRPr sz="1800" b="0" i="0" u="none" strike="noStrike" cap="none">
-                <a:solidFill>
-                  <a:srgbClr val="000000"/>
-                </a:solidFill>
-                <a:latin typeface="Calibri"/>
-                <a:ea typeface="Calibri"/>
-                <a:cs typeface="Calibri"/>
-                <a:sym typeface="Calibri"/>
-              </a:defRPr>
-            </a:lvl1pPr>
-            <a:lvl2pPr marL="0" marR="0" lvl="1" indent="0" algn="l" rtl="0">
-              <a:lnSpc>
-                <a:spcPct val="100000"/>
-              </a:lnSpc>
-              <a:spcBef>
-                <a:spcPts val="0"/>
-              </a:spcBef>
-              <a:spcAft>
-                <a:spcPts val="0"/>
-              </a:spcAft>
-              <a:buClr>
-                <a:srgbClr val="000000"/>
-              </a:buClr>
-              <a:buSzPts val="1800"/>
-              <a:buFont typeface="Arial"/>
-              <a:buNone/>
-              <a:defRPr sz="1800" b="0" i="0" u="none" strike="noStrike" cap="none">
-                <a:solidFill>
-                  <a:srgbClr val="000000"/>
-                </a:solidFill>
-                <a:latin typeface="Calibri"/>
-                <a:ea typeface="Calibri"/>
-                <a:cs typeface="Calibri"/>
-                <a:sym typeface="Calibri"/>
-              </a:defRPr>
-            </a:lvl2pPr>
-            <a:lvl3pPr marL="0" marR="0" lvl="2" indent="0" algn="l" rtl="0">
-              <a:lnSpc>
-                <a:spcPct val="100000"/>
-              </a:lnSpc>
-              <a:spcBef>
-                <a:spcPts val="0"/>
-              </a:spcBef>
-              <a:spcAft>
-                <a:spcPts val="0"/>
-              </a:spcAft>
-              <a:buClr>
-                <a:srgbClr val="000000"/>
-              </a:buClr>
-              <a:buSzPts val="1800"/>
-              <a:buFont typeface="Arial"/>
-              <a:buNone/>
-              <a:defRPr sz="1800" b="0" i="0" u="none" strike="noStrike" cap="none">
-                <a:solidFill>
-                  <a:srgbClr val="000000"/>
-                </a:solidFill>
-                <a:latin typeface="Calibri"/>
-                <a:ea typeface="Calibri"/>
-                <a:cs typeface="Calibri"/>
-                <a:sym typeface="Calibri"/>
-              </a:defRPr>
-            </a:lvl3pPr>
-            <a:lvl4pPr marL="0" marR="0" lvl="3" indent="0" algn="l" rtl="0">
-              <a:lnSpc>
-                <a:spcPct val="100000"/>
-              </a:lnSpc>
-              <a:spcBef>
-                <a:spcPts val="0"/>
-              </a:spcBef>
-              <a:spcAft>
-                <a:spcPts val="0"/>
-              </a:spcAft>
-              <a:buClr>
-                <a:srgbClr val="000000"/>
-              </a:buClr>
-              <a:buSzPts val="1800"/>
-              <a:buFont typeface="Arial"/>
-              <a:buNone/>
-              <a:defRPr sz="1800" b="0" i="0" u="none" strike="noStrike" cap="none">
-                <a:solidFill>
-                  <a:srgbClr val="000000"/>
-                </a:solidFill>
-                <a:latin typeface="Calibri"/>
-                <a:ea typeface="Calibri"/>
-                <a:cs typeface="Calibri"/>
-                <a:sym typeface="Calibri"/>
-              </a:defRPr>
-            </a:lvl4pPr>
-            <a:lvl5pPr marL="0" marR="0" lvl="4" indent="0" algn="l" rtl="0">
-              <a:lnSpc>
-                <a:spcPct val="100000"/>
-              </a:lnSpc>
-              <a:spcBef>
-                <a:spcPts val="0"/>
-              </a:spcBef>
-              <a:spcAft>
-                <a:spcPts val="0"/>
-              </a:spcAft>
-              <a:buClr>
-                <a:srgbClr val="000000"/>
-              </a:buClr>
-              <a:buSzPts val="1800"/>
-              <a:buFont typeface="Arial"/>
-              <a:buNone/>
-              <a:defRPr sz="1800" b="0" i="0" u="none" strike="noStrike" cap="none">
-                <a:solidFill>
-                  <a:srgbClr val="000000"/>
-                </a:solidFill>
-                <a:latin typeface="Calibri"/>
-                <a:ea typeface="Calibri"/>
-                <a:cs typeface="Calibri"/>
-                <a:sym typeface="Calibri"/>
-              </a:defRPr>
-            </a:lvl5pPr>
-            <a:lvl6pPr marL="0" marR="0" lvl="5" indent="0" algn="l" rtl="0">
-              <a:lnSpc>
-                <a:spcPct val="100000"/>
-              </a:lnSpc>
-              <a:spcBef>
-                <a:spcPts val="0"/>
-              </a:spcBef>
-              <a:spcAft>
-                <a:spcPts val="0"/>
-              </a:spcAft>
-              <a:buClr>
-                <a:srgbClr val="000000"/>
-              </a:buClr>
-              <a:buSzPts val="1800"/>
-              <a:buFont typeface="Arial"/>
-              <a:buNone/>
-              <a:defRPr sz="1800" b="0" i="0" u="none" strike="noStrike" cap="none">
-                <a:solidFill>
-                  <a:srgbClr val="000000"/>
-                </a:solidFill>
-                <a:latin typeface="Calibri"/>
-                <a:ea typeface="Calibri"/>
-                <a:cs typeface="Calibri"/>
-                <a:sym typeface="Calibri"/>
-              </a:defRPr>
-            </a:lvl6pPr>
-            <a:lvl7pPr marL="0" marR="0" lvl="6" indent="0" algn="l" rtl="0">
-              <a:lnSpc>
-                <a:spcPct val="100000"/>
-              </a:lnSpc>
-              <a:spcBef>
-                <a:spcPts val="0"/>
-              </a:spcBef>
-              <a:spcAft>
-                <a:spcPts val="0"/>
-              </a:spcAft>
-              <a:buClr>
-                <a:srgbClr val="000000"/>
-              </a:buClr>
-              <a:buSzPts val="1800"/>
-              <a:buFont typeface="Arial"/>
-              <a:buNone/>
-              <a:defRPr sz="1800" b="0" i="0" u="none" strike="noStrike" cap="none">
-                <a:solidFill>
-                  <a:srgbClr val="000000"/>
-                </a:solidFill>
-                <a:latin typeface="Calibri"/>
-                <a:ea typeface="Calibri"/>
-                <a:cs typeface="Calibri"/>
-                <a:sym typeface="Calibri"/>
-              </a:defRPr>
-            </a:lvl7pPr>
-            <a:lvl8pPr marL="0" marR="0" lvl="7" indent="0" algn="l" rtl="0">
-              <a:lnSpc>
-                <a:spcPct val="100000"/>
-              </a:lnSpc>
-              <a:spcBef>
-                <a:spcPts val="0"/>
-              </a:spcBef>
-              <a:spcAft>
-                <a:spcPts val="0"/>
-              </a:spcAft>
-              <a:buClr>
-                <a:srgbClr val="000000"/>
-              </a:buClr>
-              <a:buSzPts val="1800"/>
-              <a:buFont typeface="Arial"/>
-              <a:buNone/>
-              <a:defRPr sz="1800" b="0" i="0" u="none" strike="noStrike" cap="none">
-                <a:solidFill>
-                  <a:srgbClr val="000000"/>
-                </a:solidFill>
-                <a:latin typeface="Calibri"/>
-                <a:ea typeface="Calibri"/>
-                <a:cs typeface="Calibri"/>
-                <a:sym typeface="Calibri"/>
-              </a:defRPr>
-            </a:lvl8pPr>
-            <a:lvl9pPr marL="0" marR="0" lvl="8" indent="0" algn="l" rtl="0">
-              <a:lnSpc>
-                <a:spcPct val="100000"/>
-              </a:lnSpc>
-              <a:spcBef>
-                <a:spcPts val="0"/>
-              </a:spcBef>
-              <a:spcAft>
-                <a:spcPts val="0"/>
-              </a:spcAft>
-              <a:buClr>
-                <a:srgbClr val="000000"/>
-              </a:buClr>
-              <a:buSzPts val="1800"/>
-              <a:buFont typeface="Arial"/>
-              <a:buNone/>
-              <a:defRPr sz="1800" b="0" i="0" u="none" strike="noStrike" cap="none">
-                <a:solidFill>
-                  <a:srgbClr val="000000"/>
-                </a:solidFill>
-                <a:latin typeface="Calibri"/>
-                <a:ea typeface="Calibri"/>
-                <a:cs typeface="Calibri"/>
-                <a:sym typeface="Calibri"/>
-              </a:defRPr>
-            </a:lvl9pPr>
-          </a:lstStyle>
-          <a:p>
-            <a:pPr marL="0" lvl="0" indent="0" algn="l" rtl="0">
-              <a:spcBef>
-                <a:spcPts val="0"/>
-              </a:spcBef>
-              <a:spcAft>
-                <a:spcPts val="0"/>
-              </a:spcAft>
-              <a:buNone/>
-            </a:pPr>
-            <a:fld id="{00000000-1234-1234-1234-123412341234}" type="slidenum">
-              <a:rPr lang="en-US"/>
-              <a:t>‹#›</a:t>
-            </a:fld>
-            <a:endParaRPr/>
-          </a:p>
-        </p:txBody>
-      </p:sp>
-    </p:spTree>
-  </p:cSld>
-  <p:clrMapOvr>
-    <a:masterClrMapping/>
-  </p:clrMapOvr>
-</p:sldLayout>
-</file>
-
-<file path=ppt/slideLayouts/slideLayout9.xml><?xml version="1.0" encoding="utf-8"?>
-<p:sldLayout xmlns:a="http://schemas.openxmlformats.org/drawingml/2006/main" xmlns:r="http://schemas.openxmlformats.org/officeDocument/2006/relationships" xmlns:p="http://schemas.openxmlformats.org/presentationml/2006/main" matchingName="Title and Vertical Text" type="vertTx">
-  <p:cSld name="VERTICAL_TEXT">
-    <p:spTree>
-      <p:nvGrpSpPr>
-        <p:cNvPr id="1" name="Shape 77"/>
-        <p:cNvGrpSpPr/>
-        <p:nvPr/>
-      </p:nvGrpSpPr>
-      <p:grpSpPr>
-        <a:xfrm>
-          <a:off x="0" y="0"/>
-          <a:ext cx="0" cy="0"/>
-          <a:chOff x="0" y="0"/>
-          <a:chExt cx="0" cy="0"/>
-        </a:xfrm>
-      </p:grpSpPr>
-      <p:sp>
-        <p:nvSpPr>
-          <p:cNvPr id="78" name="Google Shape;78;p41"/>
-          <p:cNvSpPr txBox="1">
-            <a:spLocks noGrp="1"/>
-          </p:cNvSpPr>
-          <p:nvPr>
-            <p:ph type="title"/>
-          </p:nvPr>
-        </p:nvSpPr>
-        <p:spPr>
-          <a:xfrm>
-            <a:off x="1115616" y="274638"/>
-            <a:ext cx="6408712" cy="922114"/>
-          </a:xfrm>
-          <a:prstGeom prst="rect">
-            <a:avLst/>
-          </a:prstGeom>
-          <a:noFill/>
-          <a:ln>
-            <a:noFill/>
-          </a:ln>
-        </p:spPr>
-        <p:txBody>
-          <a:bodyPr spcFirstLastPara="1" wrap="square" lIns="91425" tIns="45700" rIns="91425" bIns="45700" anchor="ctr" anchorCtr="0">
-            <a:normAutofit/>
-          </a:bodyPr>
-          <a:lstStyle>
-            <a:lvl1pPr lvl="0" algn="ctr">
-              <a:lnSpc>
-                <a:spcPct val="100000"/>
-              </a:lnSpc>
-              <a:spcBef>
-                <a:spcPts val="0"/>
-              </a:spcBef>
-              <a:spcAft>
-                <a:spcPts val="0"/>
-              </a:spcAft>
-              <a:buClr>
-                <a:schemeClr val="dk1"/>
-              </a:buClr>
-              <a:buSzPts val="1800"/>
-              <a:buNone/>
-              <a:defRPr/>
-            </a:lvl1pPr>
-            <a:lvl2pPr lvl="1" algn="l">
-              <a:lnSpc>
-                <a:spcPct val="100000"/>
-              </a:lnSpc>
-              <a:spcBef>
-                <a:spcPts val="0"/>
-              </a:spcBef>
-              <a:spcAft>
-                <a:spcPts val="0"/>
-              </a:spcAft>
-              <a:buSzPts val="1400"/>
-              <a:buNone/>
-              <a:defRPr/>
-            </a:lvl2pPr>
-            <a:lvl3pPr lvl="2" algn="l">
-              <a:lnSpc>
-                <a:spcPct val="100000"/>
-              </a:lnSpc>
-              <a:spcBef>
-                <a:spcPts val="0"/>
-              </a:spcBef>
-              <a:spcAft>
-                <a:spcPts val="0"/>
-              </a:spcAft>
-              <a:buSzPts val="1400"/>
-              <a:buNone/>
-              <a:defRPr/>
-            </a:lvl3pPr>
-            <a:lvl4pPr lvl="3" algn="l">
-              <a:lnSpc>
-                <a:spcPct val="100000"/>
-              </a:lnSpc>
-              <a:spcBef>
-                <a:spcPts val="0"/>
-              </a:spcBef>
-              <a:spcAft>
-                <a:spcPts val="0"/>
-              </a:spcAft>
-              <a:buSzPts val="1400"/>
-              <a:buNone/>
-              <a:defRPr/>
-            </a:lvl4pPr>
-            <a:lvl5pPr lvl="4" algn="l">
-              <a:lnSpc>
-                <a:spcPct val="100000"/>
-              </a:lnSpc>
-              <a:spcBef>
-                <a:spcPts val="0"/>
-              </a:spcBef>
-              <a:spcAft>
-                <a:spcPts val="0"/>
-              </a:spcAft>
-              <a:buSzPts val="1400"/>
-              <a:buNone/>
-              <a:defRPr/>
-            </a:lvl5pPr>
-            <a:lvl6pPr lvl="5" algn="l">
-              <a:lnSpc>
-                <a:spcPct val="100000"/>
-              </a:lnSpc>
-              <a:spcBef>
-                <a:spcPts val="0"/>
-              </a:spcBef>
-              <a:spcAft>
-                <a:spcPts val="0"/>
-              </a:spcAft>
-              <a:buSzPts val="1400"/>
-              <a:buNone/>
-              <a:defRPr/>
-            </a:lvl6pPr>
-            <a:lvl7pPr lvl="6" algn="l">
-              <a:lnSpc>
-                <a:spcPct val="100000"/>
-              </a:lnSpc>
-              <a:spcBef>
-                <a:spcPts val="0"/>
-              </a:spcBef>
-              <a:spcAft>
-                <a:spcPts val="0"/>
-              </a:spcAft>
-              <a:buSzPts val="1400"/>
-              <a:buNone/>
-              <a:defRPr/>
-            </a:lvl7pPr>
-            <a:lvl8pPr lvl="7" algn="l">
-              <a:lnSpc>
-                <a:spcPct val="100000"/>
-              </a:lnSpc>
-              <a:spcBef>
-                <a:spcPts val="0"/>
-              </a:spcBef>
-              <a:spcAft>
-                <a:spcPts val="0"/>
-              </a:spcAft>
-              <a:buSzPts val="1400"/>
-              <a:buNone/>
-              <a:defRPr/>
-            </a:lvl8pPr>
-            <a:lvl9pPr lvl="8" algn="l">
-              <a:lnSpc>
-                <a:spcPct val="100000"/>
-              </a:lnSpc>
-              <a:spcBef>
-                <a:spcPts val="0"/>
-              </a:spcBef>
-              <a:spcAft>
-                <a:spcPts val="0"/>
-              </a:spcAft>
-              <a:buSzPts val="1400"/>
-              <a:buNone/>
-              <a:defRPr/>
-            </a:lvl9pPr>
-          </a:lstStyle>
-          <a:p>
-            <a:endParaRPr/>
-          </a:p>
-        </p:txBody>
-      </p:sp>
-      <p:sp>
-        <p:nvSpPr>
-          <p:cNvPr id="79" name="Google Shape;79;p41"/>
-          <p:cNvSpPr txBox="1">
-            <a:spLocks noGrp="1"/>
-          </p:cNvSpPr>
-          <p:nvPr>
-            <p:ph type="body" idx="1"/>
-          </p:nvPr>
-        </p:nvSpPr>
-        <p:spPr>
-          <a:xfrm rot="5400000">
-            <a:off x="2309019" y="-457297"/>
-            <a:ext cx="4525963" cy="8640960"/>
-          </a:xfrm>
-          <a:prstGeom prst="rect">
-            <a:avLst/>
-          </a:prstGeom>
-          <a:noFill/>
-          <a:ln>
-            <a:noFill/>
-          </a:ln>
-        </p:spPr>
-        <p:txBody>
-          <a:bodyPr spcFirstLastPara="1" wrap="square" lIns="91425" tIns="45700" rIns="91425" bIns="45700" anchor="t" anchorCtr="0">
-            <a:normAutofit/>
-          </a:bodyPr>
-          <a:lstStyle>
-            <a:lvl1pPr marL="457200" lvl="0" indent="-342900" algn="l">
-              <a:lnSpc>
-                <a:spcPct val="100000"/>
-              </a:lnSpc>
-              <a:spcBef>
-                <a:spcPts val="360"/>
-              </a:spcBef>
-              <a:spcAft>
-                <a:spcPts val="0"/>
-              </a:spcAft>
-              <a:buClr>
-                <a:schemeClr val="dk1"/>
-              </a:buClr>
-              <a:buSzPts val="1800"/>
-              <a:buChar char="•"/>
-              <a:defRPr/>
-            </a:lvl1pPr>
-            <a:lvl2pPr marL="914400" lvl="1" indent="-342900" algn="l">
-              <a:lnSpc>
-                <a:spcPct val="100000"/>
-              </a:lnSpc>
-              <a:spcBef>
-                <a:spcPts val="360"/>
-              </a:spcBef>
-              <a:spcAft>
-                <a:spcPts val="0"/>
-              </a:spcAft>
-              <a:buClr>
-                <a:schemeClr val="dk1"/>
-              </a:buClr>
-              <a:buSzPts val="1800"/>
-              <a:buChar char="–"/>
-              <a:defRPr/>
-            </a:lvl2pPr>
-            <a:lvl3pPr marL="1371600" lvl="2" indent="-342900" algn="l">
-              <a:lnSpc>
-                <a:spcPct val="100000"/>
-              </a:lnSpc>
-              <a:spcBef>
-                <a:spcPts val="360"/>
-              </a:spcBef>
-              <a:spcAft>
-                <a:spcPts val="0"/>
-              </a:spcAft>
-              <a:buClr>
-                <a:schemeClr val="dk1"/>
-              </a:buClr>
-              <a:buSzPts val="1800"/>
-              <a:buChar char="•"/>
-              <a:defRPr/>
-            </a:lvl3pPr>
-            <a:lvl4pPr marL="1828800" lvl="3" indent="-342900" algn="l">
-              <a:lnSpc>
-                <a:spcPct val="100000"/>
-              </a:lnSpc>
-              <a:spcBef>
-                <a:spcPts val="360"/>
-              </a:spcBef>
-              <a:spcAft>
-                <a:spcPts val="0"/>
-              </a:spcAft>
-              <a:buClr>
-                <a:schemeClr val="dk1"/>
-              </a:buClr>
-              <a:buSzPts val="1800"/>
-              <a:buChar char="–"/>
-              <a:defRPr/>
-            </a:lvl4pPr>
-            <a:lvl5pPr marL="2286000" lvl="4" indent="-342900" algn="l">
-              <a:lnSpc>
-                <a:spcPct val="100000"/>
-              </a:lnSpc>
-              <a:spcBef>
-                <a:spcPts val="360"/>
-              </a:spcBef>
-              <a:spcAft>
-                <a:spcPts val="0"/>
-              </a:spcAft>
-              <a:buClr>
-                <a:schemeClr val="dk1"/>
-              </a:buClr>
-              <a:buSzPts val="1800"/>
-              <a:buChar char="»"/>
-              <a:defRPr/>
-            </a:lvl5pPr>
-            <a:lvl6pPr marL="2743200" lvl="5" indent="-342900" algn="l">
-              <a:lnSpc>
-                <a:spcPct val="100000"/>
-              </a:lnSpc>
-              <a:spcBef>
-                <a:spcPts val="360"/>
-              </a:spcBef>
-              <a:spcAft>
-                <a:spcPts val="0"/>
-              </a:spcAft>
-              <a:buClr>
-                <a:schemeClr val="dk1"/>
-              </a:buClr>
-              <a:buSzPts val="1800"/>
-              <a:buChar char="•"/>
-              <a:defRPr/>
-            </a:lvl6pPr>
-            <a:lvl7pPr marL="3200400" lvl="6" indent="-342900" algn="l">
-              <a:lnSpc>
-                <a:spcPct val="100000"/>
-              </a:lnSpc>
-              <a:spcBef>
-                <a:spcPts val="360"/>
-              </a:spcBef>
-              <a:spcAft>
-                <a:spcPts val="0"/>
-              </a:spcAft>
-              <a:buClr>
-                <a:schemeClr val="dk1"/>
-              </a:buClr>
-              <a:buSzPts val="1800"/>
-              <a:buChar char="•"/>
-              <a:defRPr/>
-            </a:lvl7pPr>
-            <a:lvl8pPr marL="3657600" lvl="7" indent="-342900" algn="l">
-              <a:lnSpc>
-                <a:spcPct val="100000"/>
-              </a:lnSpc>
-              <a:spcBef>
-                <a:spcPts val="360"/>
-              </a:spcBef>
-              <a:spcAft>
-                <a:spcPts val="0"/>
-              </a:spcAft>
-              <a:buClr>
-                <a:schemeClr val="dk1"/>
-              </a:buClr>
-              <a:buSzPts val="1800"/>
-              <a:buChar char="•"/>
-              <a:defRPr/>
-            </a:lvl8pPr>
-            <a:lvl9pPr marL="4114800" lvl="8" indent="-342900" algn="l">
-              <a:lnSpc>
-                <a:spcPct val="100000"/>
-              </a:lnSpc>
-              <a:spcBef>
-                <a:spcPts val="360"/>
-              </a:spcBef>
-              <a:spcAft>
-                <a:spcPts val="0"/>
-              </a:spcAft>
-              <a:buClr>
-                <a:schemeClr val="dk1"/>
-              </a:buClr>
-              <a:buSzPts val="1800"/>
-              <a:buChar char="•"/>
-              <a:defRPr/>
-            </a:lvl9pPr>
-          </a:lstStyle>
-          <a:p>
-            <a:endParaRPr/>
-          </a:p>
-        </p:txBody>
-      </p:sp>
-      <p:sp>
-        <p:nvSpPr>
-          <p:cNvPr id="80" name="Google Shape;80;p41"/>
-          <p:cNvSpPr txBox="1">
-            <a:spLocks noGrp="1"/>
-          </p:cNvSpPr>
-          <p:nvPr>
-            <p:ph type="dt" idx="10"/>
-          </p:nvPr>
-        </p:nvSpPr>
-        <p:spPr>
-          <a:xfrm>
-            <a:off x="457200" y="6356352"/>
-            <a:ext cx="2133600" cy="365125"/>
-          </a:xfrm>
-          <a:prstGeom prst="rect">
-            <a:avLst/>
-          </a:prstGeom>
-          <a:noFill/>
-          <a:ln>
-            <a:noFill/>
-          </a:ln>
-        </p:spPr>
-        <p:txBody>
-          <a:bodyPr spcFirstLastPara="1" wrap="square" lIns="91425" tIns="45700" rIns="91425" bIns="45700" anchor="t" anchorCtr="0">
-            <a:noAutofit/>
-          </a:bodyPr>
-          <a:lstStyle>
-            <a:lvl1pPr marR="0" lvl="0" algn="l" rtl="0">
-              <a:lnSpc>
-                <a:spcPct val="100000"/>
-              </a:lnSpc>
-              <a:spcBef>
-                <a:spcPts val="0"/>
-              </a:spcBef>
-              <a:spcAft>
-                <a:spcPts val="0"/>
-              </a:spcAft>
-              <a:buClr>
-                <a:srgbClr val="000000"/>
-              </a:buClr>
-              <a:buSzPts val="1400"/>
-              <a:buFont typeface="Arial"/>
-              <a:buNone/>
-              <a:defRPr sz="1800" b="0" i="0" u="none" strike="noStrike" cap="none">
-                <a:solidFill>
-                  <a:schemeClr val="dk1"/>
-                </a:solidFill>
-                <a:latin typeface="Calibri"/>
-                <a:ea typeface="Calibri"/>
-                <a:cs typeface="Calibri"/>
-                <a:sym typeface="Calibri"/>
-              </a:defRPr>
-            </a:lvl1pPr>
-            <a:lvl2pPr marR="0" lvl="1" algn="l" rtl="0">
-              <a:lnSpc>
-                <a:spcPct val="100000"/>
-              </a:lnSpc>
-              <a:spcBef>
-                <a:spcPts val="0"/>
-              </a:spcBef>
-              <a:spcAft>
-                <a:spcPts val="0"/>
-              </a:spcAft>
-              <a:buClr>
-                <a:srgbClr val="000000"/>
-              </a:buClr>
-              <a:buSzPts val="1400"/>
-              <a:buFont typeface="Arial"/>
-              <a:buNone/>
-              <a:defRPr sz="1800" b="0" i="0" u="none" strike="noStrike" cap="none">
-                <a:solidFill>
-                  <a:schemeClr val="dk1"/>
-                </a:solidFill>
-                <a:latin typeface="Calibri"/>
-                <a:ea typeface="Calibri"/>
-                <a:cs typeface="Calibri"/>
-                <a:sym typeface="Calibri"/>
-              </a:defRPr>
-            </a:lvl2pPr>
-            <a:lvl3pPr marR="0" lvl="2" algn="l" rtl="0">
-              <a:lnSpc>
-                <a:spcPct val="100000"/>
-              </a:lnSpc>
-              <a:spcBef>
-                <a:spcPts val="0"/>
-              </a:spcBef>
-              <a:spcAft>
-                <a:spcPts val="0"/>
-              </a:spcAft>
-              <a:buClr>
-                <a:srgbClr val="000000"/>
-              </a:buClr>
-              <a:buSzPts val="1400"/>
-              <a:buFont typeface="Arial"/>
-              <a:buNone/>
-              <a:defRPr sz="1800" b="0" i="0" u="none" strike="noStrike" cap="none">
-                <a:solidFill>
-                  <a:schemeClr val="dk1"/>
-                </a:solidFill>
-                <a:latin typeface="Calibri"/>
-                <a:ea typeface="Calibri"/>
-                <a:cs typeface="Calibri"/>
-                <a:sym typeface="Calibri"/>
-              </a:defRPr>
-            </a:lvl3pPr>
-            <a:lvl4pPr marR="0" lvl="3" algn="l" rtl="0">
-              <a:lnSpc>
-                <a:spcPct val="100000"/>
-              </a:lnSpc>
-              <a:spcBef>
-                <a:spcPts val="0"/>
-              </a:spcBef>
-              <a:spcAft>
-                <a:spcPts val="0"/>
-              </a:spcAft>
-              <a:buClr>
-                <a:srgbClr val="000000"/>
-              </a:buClr>
-              <a:buSzPts val="1400"/>
-              <a:buFont typeface="Arial"/>
-              <a:buNone/>
-              <a:defRPr sz="1800" b="0" i="0" u="none" strike="noStrike" cap="none">
-                <a:solidFill>
-                  <a:schemeClr val="dk1"/>
-                </a:solidFill>
-                <a:latin typeface="Calibri"/>
-                <a:ea typeface="Calibri"/>
-                <a:cs typeface="Calibri"/>
-                <a:sym typeface="Calibri"/>
-              </a:defRPr>
-            </a:lvl4pPr>
-            <a:lvl5pPr marR="0" lvl="4" algn="l" rtl="0">
-              <a:lnSpc>
-                <a:spcPct val="100000"/>
-              </a:lnSpc>
-              <a:spcBef>
-                <a:spcPts val="0"/>
-              </a:spcBef>
-              <a:spcAft>
-                <a:spcPts val="0"/>
-              </a:spcAft>
-              <a:buClr>
-                <a:srgbClr val="000000"/>
-              </a:buClr>
-              <a:buSzPts val="1400"/>
-              <a:buFont typeface="Arial"/>
-              <a:buNone/>
-              <a:defRPr sz="1800" b="0" i="0" u="none" strike="noStrike" cap="none">
-                <a:solidFill>
-                  <a:schemeClr val="dk1"/>
-                </a:solidFill>
-                <a:latin typeface="Calibri"/>
-                <a:ea typeface="Calibri"/>
-                <a:cs typeface="Calibri"/>
-                <a:sym typeface="Calibri"/>
-              </a:defRPr>
-            </a:lvl5pPr>
-            <a:lvl6pPr marR="0" lvl="5" algn="l" rtl="0">
-              <a:lnSpc>
-                <a:spcPct val="100000"/>
-              </a:lnSpc>
-              <a:spcBef>
-                <a:spcPts val="0"/>
-              </a:spcBef>
-              <a:spcAft>
-                <a:spcPts val="0"/>
-              </a:spcAft>
-              <a:buClr>
-                <a:srgbClr val="000000"/>
-              </a:buClr>
-              <a:buSzPts val="1400"/>
-              <a:buFont typeface="Arial"/>
-              <a:buNone/>
-              <a:defRPr sz="1800" b="0" i="0" u="none" strike="noStrike" cap="none">
-                <a:solidFill>
-                  <a:schemeClr val="dk1"/>
-                </a:solidFill>
-                <a:latin typeface="Calibri"/>
-                <a:ea typeface="Calibri"/>
-                <a:cs typeface="Calibri"/>
-                <a:sym typeface="Calibri"/>
-              </a:defRPr>
-            </a:lvl6pPr>
-            <a:lvl7pPr marR="0" lvl="6" algn="l" rtl="0">
-              <a:lnSpc>
-                <a:spcPct val="100000"/>
-              </a:lnSpc>
-              <a:spcBef>
-                <a:spcPts val="0"/>
-              </a:spcBef>
-              <a:spcAft>
-                <a:spcPts val="0"/>
-              </a:spcAft>
-              <a:buClr>
-                <a:srgbClr val="000000"/>
-              </a:buClr>
-              <a:buSzPts val="1400"/>
-              <a:buFont typeface="Arial"/>
-              <a:buNone/>
-              <a:defRPr sz="1800" b="0" i="0" u="none" strike="noStrike" cap="none">
-                <a:solidFill>
-                  <a:schemeClr val="dk1"/>
-                </a:solidFill>
-                <a:latin typeface="Calibri"/>
-                <a:ea typeface="Calibri"/>
-                <a:cs typeface="Calibri"/>
-                <a:sym typeface="Calibri"/>
-              </a:defRPr>
-            </a:lvl7pPr>
-            <a:lvl8pPr marR="0" lvl="7" algn="l" rtl="0">
-              <a:lnSpc>
-                <a:spcPct val="100000"/>
-              </a:lnSpc>
-              <a:spcBef>
-                <a:spcPts val="0"/>
-              </a:spcBef>
-              <a:spcAft>
-                <a:spcPts val="0"/>
-              </a:spcAft>
-              <a:buClr>
-                <a:srgbClr val="000000"/>
-              </a:buClr>
-              <a:buSzPts val="1400"/>
-              <a:buFont typeface="Arial"/>
-              <a:buNone/>
-              <a:defRPr sz="1800" b="0" i="0" u="none" strike="noStrike" cap="none">
-                <a:solidFill>
-                  <a:schemeClr val="dk1"/>
-                </a:solidFill>
-                <a:latin typeface="Calibri"/>
-                <a:ea typeface="Calibri"/>
-                <a:cs typeface="Calibri"/>
-                <a:sym typeface="Calibri"/>
-              </a:defRPr>
-            </a:lvl8pPr>
-            <a:lvl9pPr marR="0" lvl="8" algn="l" rtl="0">
-              <a:lnSpc>
-                <a:spcPct val="100000"/>
-              </a:lnSpc>
-              <a:spcBef>
-                <a:spcPts val="0"/>
-              </a:spcBef>
-              <a:spcAft>
-                <a:spcPts val="0"/>
-              </a:spcAft>
-              <a:buClr>
-                <a:srgbClr val="000000"/>
-              </a:buClr>
-              <a:buSzPts val="1400"/>
-              <a:buFont typeface="Arial"/>
-              <a:buNone/>
-              <a:defRPr sz="1800" b="0" i="0" u="none" strike="noStrike" cap="none">
-                <a:solidFill>
-                  <a:schemeClr val="dk1"/>
-                </a:solidFill>
-                <a:latin typeface="Calibri"/>
-                <a:ea typeface="Calibri"/>
-                <a:cs typeface="Calibri"/>
-                <a:sym typeface="Calibri"/>
-              </a:defRPr>
-            </a:lvl9pPr>
-          </a:lstStyle>
-          <a:p>
-            <a:endParaRPr/>
-          </a:p>
-        </p:txBody>
-      </p:sp>
-      <p:sp>
-        <p:nvSpPr>
-          <p:cNvPr id="81" name="Google Shape;81;p41"/>
-          <p:cNvSpPr txBox="1">
-            <a:spLocks noGrp="1"/>
-          </p:cNvSpPr>
-          <p:nvPr>
-            <p:ph type="ftr" idx="11"/>
-          </p:nvPr>
-        </p:nvSpPr>
-        <p:spPr>
-          <a:xfrm>
-            <a:off x="3124200" y="6356352"/>
-            <a:ext cx="2895600" cy="365125"/>
-          </a:xfrm>
-          <a:prstGeom prst="rect">
-            <a:avLst/>
-          </a:prstGeom>
-          <a:noFill/>
-          <a:ln>
-            <a:noFill/>
-          </a:ln>
-        </p:spPr>
-        <p:txBody>
-          <a:bodyPr spcFirstLastPara="1" wrap="square" lIns="91425" tIns="45700" rIns="91425" bIns="45700" anchor="t" anchorCtr="0">
-            <a:noAutofit/>
-          </a:bodyPr>
-          <a:lstStyle>
-            <a:lvl1pPr marR="0" lvl="0" algn="l" rtl="0">
-              <a:lnSpc>
-                <a:spcPct val="100000"/>
-              </a:lnSpc>
-              <a:spcBef>
-                <a:spcPts val="0"/>
-              </a:spcBef>
-              <a:spcAft>
-                <a:spcPts val="0"/>
-              </a:spcAft>
-              <a:buClr>
-                <a:srgbClr val="000000"/>
-              </a:buClr>
-              <a:buSzPts val="1400"/>
-              <a:buFont typeface="Arial"/>
-              <a:buNone/>
-              <a:defRPr sz="1800" b="0" i="0" u="none" strike="noStrike" cap="none">
-                <a:solidFill>
-                  <a:schemeClr val="dk1"/>
-                </a:solidFill>
-                <a:latin typeface="Calibri"/>
-                <a:ea typeface="Calibri"/>
-                <a:cs typeface="Calibri"/>
-                <a:sym typeface="Calibri"/>
-              </a:defRPr>
-            </a:lvl1pPr>
-            <a:lvl2pPr marR="0" lvl="1" algn="l" rtl="0">
-              <a:lnSpc>
-                <a:spcPct val="100000"/>
-              </a:lnSpc>
-              <a:spcBef>
-                <a:spcPts val="0"/>
-              </a:spcBef>
-              <a:spcAft>
-                <a:spcPts val="0"/>
-              </a:spcAft>
-              <a:buClr>
-                <a:srgbClr val="000000"/>
-              </a:buClr>
-              <a:buSzPts val="1400"/>
-              <a:buFont typeface="Arial"/>
-              <a:buNone/>
-              <a:defRPr sz="1800" b="0" i="0" u="none" strike="noStrike" cap="none">
-                <a:solidFill>
-                  <a:schemeClr val="dk1"/>
-                </a:solidFill>
-                <a:latin typeface="Calibri"/>
-                <a:ea typeface="Calibri"/>
-                <a:cs typeface="Calibri"/>
-                <a:sym typeface="Calibri"/>
-              </a:defRPr>
-            </a:lvl2pPr>
-            <a:lvl3pPr marR="0" lvl="2" algn="l" rtl="0">
-              <a:lnSpc>
-                <a:spcPct val="100000"/>
-              </a:lnSpc>
-              <a:spcBef>
-                <a:spcPts val="0"/>
-              </a:spcBef>
-              <a:spcAft>
-                <a:spcPts val="0"/>
-              </a:spcAft>
-              <a:buClr>
-                <a:srgbClr val="000000"/>
-              </a:buClr>
-              <a:buSzPts val="1400"/>
-              <a:buFont typeface="Arial"/>
-              <a:buNone/>
-              <a:defRPr sz="1800" b="0" i="0" u="none" strike="noStrike" cap="none">
-                <a:solidFill>
-                  <a:schemeClr val="dk1"/>
-                </a:solidFill>
-                <a:latin typeface="Calibri"/>
-                <a:ea typeface="Calibri"/>
-                <a:cs typeface="Calibri"/>
-                <a:sym typeface="Calibri"/>
-              </a:defRPr>
-            </a:lvl3pPr>
-            <a:lvl4pPr marR="0" lvl="3" algn="l" rtl="0">
-              <a:lnSpc>
-                <a:spcPct val="100000"/>
-              </a:lnSpc>
-              <a:spcBef>
-                <a:spcPts val="0"/>
-              </a:spcBef>
-              <a:spcAft>
-                <a:spcPts val="0"/>
-              </a:spcAft>
-              <a:buClr>
-                <a:srgbClr val="000000"/>
-              </a:buClr>
-              <a:buSzPts val="1400"/>
-              <a:buFont typeface="Arial"/>
-              <a:buNone/>
-              <a:defRPr sz="1800" b="0" i="0" u="none" strike="noStrike" cap="none">
-                <a:solidFill>
-                  <a:schemeClr val="dk1"/>
-                </a:solidFill>
-                <a:latin typeface="Calibri"/>
-                <a:ea typeface="Calibri"/>
-                <a:cs typeface="Calibri"/>
-                <a:sym typeface="Calibri"/>
-              </a:defRPr>
-            </a:lvl4pPr>
-            <a:lvl5pPr marR="0" lvl="4" algn="l" rtl="0">
-              <a:lnSpc>
-                <a:spcPct val="100000"/>
-              </a:lnSpc>
-              <a:spcBef>
-                <a:spcPts val="0"/>
-              </a:spcBef>
-              <a:spcAft>
-                <a:spcPts val="0"/>
-              </a:spcAft>
-              <a:buClr>
-                <a:srgbClr val="000000"/>
-              </a:buClr>
-              <a:buSzPts val="1400"/>
-              <a:buFont typeface="Arial"/>
-              <a:buNone/>
-              <a:defRPr sz="1800" b="0" i="0" u="none" strike="noStrike" cap="none">
-                <a:solidFill>
-                  <a:schemeClr val="dk1"/>
-                </a:solidFill>
-                <a:latin typeface="Calibri"/>
-                <a:ea typeface="Calibri"/>
-                <a:cs typeface="Calibri"/>
-                <a:sym typeface="Calibri"/>
-              </a:defRPr>
-            </a:lvl5pPr>
-            <a:lvl6pPr marR="0" lvl="5" algn="l" rtl="0">
-              <a:lnSpc>
-                <a:spcPct val="100000"/>
-              </a:lnSpc>
-              <a:spcBef>
-                <a:spcPts val="0"/>
-              </a:spcBef>
-              <a:spcAft>
-                <a:spcPts val="0"/>
-              </a:spcAft>
-              <a:buClr>
-                <a:srgbClr val="000000"/>
-              </a:buClr>
-              <a:buSzPts val="1400"/>
-              <a:buFont typeface="Arial"/>
-              <a:buNone/>
-              <a:defRPr sz="1800" b="0" i="0" u="none" strike="noStrike" cap="none">
-                <a:solidFill>
-                  <a:schemeClr val="dk1"/>
-                </a:solidFill>
-                <a:latin typeface="Calibri"/>
-                <a:ea typeface="Calibri"/>
-                <a:cs typeface="Calibri"/>
-                <a:sym typeface="Calibri"/>
-              </a:defRPr>
-            </a:lvl6pPr>
-            <a:lvl7pPr marR="0" lvl="6" algn="l" rtl="0">
-              <a:lnSpc>
-                <a:spcPct val="100000"/>
-              </a:lnSpc>
-              <a:spcBef>
-                <a:spcPts val="0"/>
-              </a:spcBef>
-              <a:spcAft>
-                <a:spcPts val="0"/>
-              </a:spcAft>
-              <a:buClr>
-                <a:srgbClr val="000000"/>
-              </a:buClr>
-              <a:buSzPts val="1400"/>
-              <a:buFont typeface="Arial"/>
-              <a:buNone/>
-              <a:defRPr sz="1800" b="0" i="0" u="none" strike="noStrike" cap="none">
-                <a:solidFill>
-                  <a:schemeClr val="dk1"/>
-                </a:solidFill>
-                <a:latin typeface="Calibri"/>
-                <a:ea typeface="Calibri"/>
-                <a:cs typeface="Calibri"/>
-                <a:sym typeface="Calibri"/>
-              </a:defRPr>
-            </a:lvl7pPr>
-            <a:lvl8pPr marR="0" lvl="7" algn="l" rtl="0">
-              <a:lnSpc>
-                <a:spcPct val="100000"/>
-              </a:lnSpc>
-              <a:spcBef>
-                <a:spcPts val="0"/>
-              </a:spcBef>
-              <a:spcAft>
-                <a:spcPts val="0"/>
-              </a:spcAft>
-              <a:buClr>
-                <a:srgbClr val="000000"/>
-              </a:buClr>
-              <a:buSzPts val="1400"/>
-              <a:buFont typeface="Arial"/>
-              <a:buNone/>
-              <a:defRPr sz="1800" b="0" i="0" u="none" strike="noStrike" cap="none">
-                <a:solidFill>
-                  <a:schemeClr val="dk1"/>
-                </a:solidFill>
-                <a:latin typeface="Calibri"/>
-                <a:ea typeface="Calibri"/>
-                <a:cs typeface="Calibri"/>
-                <a:sym typeface="Calibri"/>
-              </a:defRPr>
-            </a:lvl8pPr>
-            <a:lvl9pPr marR="0" lvl="8" algn="l" rtl="0">
-              <a:lnSpc>
-                <a:spcPct val="100000"/>
-              </a:lnSpc>
-              <a:spcBef>
-                <a:spcPts val="0"/>
-              </a:spcBef>
-              <a:spcAft>
-                <a:spcPts val="0"/>
-              </a:spcAft>
-              <a:buClr>
-                <a:srgbClr val="000000"/>
-              </a:buClr>
-              <a:buSzPts val="1400"/>
-              <a:buFont typeface="Arial"/>
-              <a:buNone/>
-              <a:defRPr sz="1800" b="0" i="0" u="none" strike="noStrike" cap="none">
-                <a:solidFill>
-                  <a:schemeClr val="dk1"/>
-                </a:solidFill>
-                <a:latin typeface="Calibri"/>
-                <a:ea typeface="Calibri"/>
-                <a:cs typeface="Calibri"/>
-                <a:sym typeface="Calibri"/>
-              </a:defRPr>
-            </a:lvl9pPr>
-          </a:lstStyle>
-          <a:p>
-            <a:endParaRPr/>
-          </a:p>
-        </p:txBody>
-      </p:sp>
-      <p:sp>
-        <p:nvSpPr>
-          <p:cNvPr id="82" name="Google Shape;82;p41"/>
           <p:cNvSpPr txBox="1">
             <a:spLocks noGrp="1"/>
           </p:cNvSpPr>
@@ -14613,15 +15201,16 @@
   <p:clrMap bg1="lt1" tx1="dk1" bg2="dk2" tx2="lt2" accent1="accent1" accent2="accent2" accent3="accent3" accent4="accent4" accent5="accent5" accent6="accent6" hlink="hlink" folHlink="folHlink"/>
   <p:sldLayoutIdLst>
     <p:sldLayoutId id="2147483649" r:id="rId1"/>
-    <p:sldLayoutId id="2147483651" r:id="rId2"/>
-    <p:sldLayoutId id="2147483652" r:id="rId3"/>
-    <p:sldLayoutId id="2147483653" r:id="rId4"/>
-    <p:sldLayoutId id="2147483654" r:id="rId5"/>
-    <p:sldLayoutId id="2147483655" r:id="rId6"/>
-    <p:sldLayoutId id="2147483656" r:id="rId7"/>
-    <p:sldLayoutId id="2147483657" r:id="rId8"/>
-    <p:sldLayoutId id="2147483658" r:id="rId9"/>
-    <p:sldLayoutId id="2147483659" r:id="rId10"/>
+    <p:sldLayoutId id="2147483650" r:id="rId2"/>
+    <p:sldLayoutId id="2147483651" r:id="rId3"/>
+    <p:sldLayoutId id="2147483652" r:id="rId4"/>
+    <p:sldLayoutId id="2147483653" r:id="rId5"/>
+    <p:sldLayoutId id="2147483654" r:id="rId6"/>
+    <p:sldLayoutId id="2147483655" r:id="rId7"/>
+    <p:sldLayoutId id="2147483656" r:id="rId8"/>
+    <p:sldLayoutId id="2147483657" r:id="rId9"/>
+    <p:sldLayoutId id="2147483658" r:id="rId10"/>
+    <p:sldLayoutId id="2147483659" r:id="rId11"/>
   </p:sldLayoutIdLst>
   <p:hf sldNum="0" hdr="0" ftr="0" dt="0"/>
   <p:txStyles>
@@ -15390,41 +15979,6 @@
               </a:rPr>
               <a:t>ANALISIS DATA UDARA ATAS</a:t>
             </a:r>
-            <a:br>
-              <a:rPr lang="en-US" sz="2800" cap="none">
-                <a:latin typeface="Bookman Old Style"/>
-                <a:ea typeface="Bookman Old Style"/>
-                <a:cs typeface="Bookman Old Style"/>
-                <a:sym typeface="Bookman Old Style"/>
-              </a:rPr>
-            </a:br>
-            <a:r>
-              <a:rPr lang="en-US" sz="2800" cap="none">
-                <a:latin typeface="Bookman Old Style"/>
-                <a:ea typeface="Bookman Old Style"/>
-                <a:cs typeface="Bookman Old Style"/>
-                <a:sym typeface="Bookman Old Style"/>
-              </a:rPr>
-              <a:t>TANGGAL </a:t>
-            </a:r>
-            <a:r>
-              <a:rPr lang="en-US" sz="2800">
-                <a:latin typeface="Bookman Old Style"/>
-                <a:ea typeface="Bookman Old Style"/>
-                <a:cs typeface="Bookman Old Style"/>
-                <a:sym typeface="Bookman Old Style"/>
-              </a:rPr>
-              <a:t>1 AGUSTUS</a:t>
-            </a:r>
-            <a:r>
-              <a:rPr lang="en-US" sz="2800" cap="none">
-                <a:latin typeface="Bookman Old Style"/>
-                <a:ea typeface="Bookman Old Style"/>
-                <a:cs typeface="Bookman Old Style"/>
-                <a:sym typeface="Bookman Old Style"/>
-              </a:rPr>
-              <a:t> 2022</a:t>
-            </a:r>
             <a:endParaRPr cap="none">
               <a:latin typeface="Bookman Old Style"/>
               <a:ea typeface="Bookman Old Style"/>
@@ -15477,7 +16031,7 @@
               <a:buNone/>
             </a:pPr>
             <a:r>
-              <a:rPr lang="en-US" sz="2000" b="0" i="0" u="none" strike="noStrike" cap="none">
+              <a:rPr lang="en-US" sz="2000" b="0" i="0" u="none" strike="noStrike" cap="none" dirty="0">
                 <a:solidFill>
                   <a:schemeClr val="dk1"/>
                 </a:solidFill>
@@ -15488,7 +16042,7 @@
               </a:rPr>
               <a:t>PUSAT METEOROLOGI PENERBANGAN</a:t>
             </a:r>
-            <a:endParaRPr sz="1400" b="0" i="0" u="none" strike="noStrike" cap="none">
+            <a:endParaRPr sz="1400" b="0" i="0" u="none" strike="noStrike" cap="none" dirty="0">
               <a:solidFill>
                 <a:srgbClr val="000000"/>
               </a:solidFill>
@@ -15516,7 +16070,7 @@
               <a:buFont typeface="Arial"/>
               <a:buNone/>
             </a:pPr>
-            <a:endParaRPr sz="2000" b="1" i="0" u="sng" strike="noStrike" cap="none">
+            <a:endParaRPr sz="2000" b="1" i="0" u="sng" strike="noStrike" cap="none" dirty="0">
               <a:solidFill>
                 <a:schemeClr val="dk1"/>
               </a:solidFill>
@@ -15545,7 +16099,7 @@
               <a:buNone/>
             </a:pPr>
             <a:r>
-              <a:rPr lang="en-US" sz="1100" b="0" i="0" u="none" strike="noStrike" cap="none">
+              <a:rPr lang="en-US" sz="1100" b="0" i="0" u="none" strike="noStrike" cap="none" dirty="0">
                 <a:solidFill>
                   <a:schemeClr val="dk1"/>
                 </a:solidFill>
@@ -15556,7 +16110,7 @@
               </a:rPr>
               <a:t> </a:t>
             </a:r>
-            <a:endParaRPr sz="1400" b="0" i="0" u="none" strike="noStrike" cap="none">
+            <a:endParaRPr sz="1400" b="0" i="0" u="none" strike="noStrike" cap="none" dirty="0">
               <a:solidFill>
                 <a:srgbClr val="000000"/>
               </a:solidFill>
@@ -15580,23 +16134,11 @@
               <a:buClr>
                 <a:srgbClr val="000000"/>
               </a:buClr>
-              <a:buSzPts val="1100"/>
+              <a:buSzPts val="800"/>
               <a:buFont typeface="Arial"/>
               <a:buNone/>
             </a:pPr>
-            <a:r>
-              <a:rPr lang="en-US" sz="1100" b="0" i="0" u="none" strike="noStrike" cap="none">
-                <a:solidFill>
-                  <a:schemeClr val="dk1"/>
-                </a:solidFill>
-                <a:latin typeface="Bookman Old Style"/>
-                <a:ea typeface="Bookman Old Style"/>
-                <a:cs typeface="Bookman Old Style"/>
-                <a:sym typeface="Bookman Old Style"/>
-              </a:rPr>
-              <a:t>Jakarta, Juli 2022</a:t>
-            </a:r>
-            <a:endParaRPr sz="1100" b="0" i="0" u="none" strike="noStrike" cap="none">
+            <a:endParaRPr sz="800" b="0" i="0" u="none" strike="noStrike" cap="none" dirty="0">
               <a:solidFill>
                 <a:schemeClr val="dk1"/>
               </a:solidFill>
@@ -15620,39 +16162,11 @@
               <a:buClr>
                 <a:srgbClr val="000000"/>
               </a:buClr>
-              <a:buSzPts val="800"/>
+              <a:buSzPts val="100"/>
               <a:buFont typeface="Arial"/>
               <a:buNone/>
             </a:pPr>
-            <a:endParaRPr sz="800" b="0" i="0" u="none" strike="noStrike" cap="none">
-              <a:solidFill>
-                <a:schemeClr val="dk1"/>
-              </a:solidFill>
-              <a:latin typeface="Bookman Old Style"/>
-              <a:ea typeface="Bookman Old Style"/>
-              <a:cs typeface="Bookman Old Style"/>
-              <a:sym typeface="Bookman Old Style"/>
-            </a:endParaRPr>
-          </a:p>
-          <a:p>
-            <a:pPr marL="0" marR="0" lvl="0" indent="0" algn="ctr" rtl="0">
-              <a:lnSpc>
-                <a:spcPct val="100000"/>
-              </a:lnSpc>
-              <a:spcBef>
-                <a:spcPts val="0"/>
-              </a:spcBef>
-              <a:spcAft>
-                <a:spcPts val="0"/>
-              </a:spcAft>
-              <a:buClr>
-                <a:srgbClr val="000000"/>
-              </a:buClr>
-              <a:buSzPts val="100"/>
-              <a:buFont typeface="Arial"/>
-              <a:buNone/>
-            </a:pPr>
-            <a:endParaRPr sz="100" b="0" i="0" u="none" strike="noStrike" cap="none">
+            <a:endParaRPr sz="100" b="0" i="0" u="none" strike="noStrike" cap="none" dirty="0">
               <a:solidFill>
                 <a:schemeClr val="dk1"/>
               </a:solidFill>
@@ -15864,6 +16378,235 @@
           </a:effectLst>
         </p:spPr>
       </p:pic>
+    </p:spTree>
+  </p:cSld>
+  <p:clrMapOvr>
+    <a:masterClrMapping/>
+  </p:clrMapOvr>
+</p:sld>
+</file>
+
+<file path=ppt/slides/slide2.xml><?xml version="1.0" encoding="utf-8"?>
+<p:sld xmlns:a="http://schemas.openxmlformats.org/drawingml/2006/main" xmlns:r="http://schemas.openxmlformats.org/officeDocument/2006/relationships" xmlns:p="http://schemas.openxmlformats.org/presentationml/2006/main">
+  <p:cSld>
+    <p:spTree>
+      <p:nvGrpSpPr>
+        <p:cNvPr id="1" name="Shape 105"/>
+        <p:cNvGrpSpPr/>
+        <p:nvPr/>
+      </p:nvGrpSpPr>
+      <p:grpSpPr>
+        <a:xfrm>
+          <a:off x="0" y="0"/>
+          <a:ext cx="0" cy="0"/>
+          <a:chOff x="0" y="0"/>
+          <a:chExt cx="0" cy="0"/>
+        </a:xfrm>
+      </p:grpSpPr>
+      <p:sp>
+        <p:nvSpPr>
+          <p:cNvPr id="106" name="Google Shape;106;p2"/>
+          <p:cNvSpPr txBox="1"/>
+          <p:nvPr/>
+        </p:nvSpPr>
+        <p:spPr>
+          <a:xfrm>
+            <a:off x="107504" y="5304690"/>
+            <a:ext cx="4032300" cy="246181"/>
+          </a:xfrm>
+          <a:prstGeom prst="rect">
+            <a:avLst/>
+          </a:prstGeom>
+          <a:solidFill>
+            <a:schemeClr val="lt1"/>
+          </a:solidFill>
+          <a:ln w="9525" cap="flat" cmpd="sng">
+            <a:solidFill>
+              <a:schemeClr val="dk1"/>
+            </a:solidFill>
+            <a:prstDash val="solid"/>
+            <a:round/>
+            <a:headEnd type="none" w="sm" len="sm"/>
+            <a:tailEnd type="none" w="sm" len="sm"/>
+          </a:ln>
+        </p:spPr>
+        <p:txBody>
+          <a:bodyPr spcFirstLastPara="1" wrap="square" lIns="91425" tIns="45700" rIns="91425" bIns="45700" anchor="t" anchorCtr="0">
+            <a:spAutoFit/>
+          </a:bodyPr>
+          <a:lstStyle/>
+          <a:p>
+            <a:pPr marL="92075" marR="0" lvl="0" indent="-73025" algn="l" rtl="0">
+              <a:lnSpc>
+                <a:spcPct val="100000"/>
+              </a:lnSpc>
+              <a:spcBef>
+                <a:spcPts val="0"/>
+              </a:spcBef>
+              <a:spcAft>
+                <a:spcPts val="0"/>
+              </a:spcAft>
+              <a:buClr>
+                <a:schemeClr val="dk1"/>
+              </a:buClr>
+              <a:buSzPts val="1000"/>
+              <a:buFont typeface="Arial"/>
+              <a:buChar char="•"/>
+            </a:pPr>
+            <a:endParaRPr sz="1000" b="0" i="0" u="none" strike="noStrike" cap="none" dirty="0">
+              <a:solidFill>
+                <a:schemeClr val="dk1"/>
+              </a:solidFill>
+              <a:latin typeface="Calibri"/>
+              <a:ea typeface="Calibri"/>
+              <a:cs typeface="Calibri"/>
+              <a:sym typeface="Calibri"/>
+            </a:endParaRPr>
+          </a:p>
+        </p:txBody>
+      </p:sp>
+      <p:sp>
+        <p:nvSpPr>
+          <p:cNvPr id="107" name="Google Shape;107;p2"/>
+          <p:cNvSpPr txBox="1"/>
+          <p:nvPr/>
+        </p:nvSpPr>
+        <p:spPr>
+          <a:xfrm>
+            <a:off x="1097492" y="249377"/>
+            <a:ext cx="7488009" cy="778098"/>
+          </a:xfrm>
+          <a:prstGeom prst="rect">
+            <a:avLst/>
+          </a:prstGeom>
+          <a:solidFill>
+            <a:srgbClr val="002060"/>
+          </a:solidFill>
+          <a:ln>
+            <a:noFill/>
+          </a:ln>
+        </p:spPr>
+        <p:txBody>
+          <a:bodyPr spcFirstLastPara="1" wrap="square" lIns="91425" tIns="45700" rIns="91425" bIns="45700" anchor="ctr" anchorCtr="0">
+            <a:noAutofit/>
+          </a:bodyPr>
+          <a:lstStyle/>
+          <a:p>
+            <a:pPr marL="0" marR="0" lvl="0" indent="0" algn="ctr" rtl="0">
+              <a:lnSpc>
+                <a:spcPct val="100000"/>
+              </a:lnSpc>
+              <a:spcBef>
+                <a:spcPts val="0"/>
+              </a:spcBef>
+              <a:spcAft>
+                <a:spcPts val="0"/>
+              </a:spcAft>
+              <a:buClr>
+                <a:schemeClr val="lt1"/>
+              </a:buClr>
+              <a:buSzPts val="2400"/>
+              <a:buFont typeface="Calibri"/>
+              <a:buNone/>
+            </a:pPr>
+            <a:r>
+              <a:rPr lang="en-US" sz="2400" b="1" i="0" u="none" strike="noStrike" cap="small" dirty="0" err="1">
+                <a:solidFill>
+                  <a:schemeClr val="lt1"/>
+                </a:solidFill>
+                <a:latin typeface="Calibri"/>
+                <a:ea typeface="Calibri"/>
+                <a:cs typeface="Calibri"/>
+                <a:sym typeface="Calibri"/>
+              </a:rPr>
+              <a:t>Judu</a:t>
+            </a:r>
+            <a:r>
+              <a:rPr lang="en-US" sz="2400" b="1" cap="small" dirty="0" err="1">
+                <a:solidFill>
+                  <a:schemeClr val="lt1"/>
+                </a:solidFill>
+                <a:latin typeface="Calibri"/>
+                <a:ea typeface="Calibri"/>
+                <a:cs typeface="Calibri"/>
+                <a:sym typeface="Calibri"/>
+              </a:rPr>
+              <a:t>l</a:t>
+            </a:r>
+            <a:endParaRPr sz="2400" b="1" i="0" u="none" strike="noStrike" cap="small" dirty="0">
+              <a:solidFill>
+                <a:schemeClr val="lt1"/>
+              </a:solidFill>
+              <a:latin typeface="Calibri"/>
+              <a:ea typeface="Calibri"/>
+              <a:cs typeface="Calibri"/>
+              <a:sym typeface="Calibri"/>
+            </a:endParaRPr>
+          </a:p>
+        </p:txBody>
+      </p:sp>
+      <p:sp>
+        <p:nvSpPr>
+          <p:cNvPr id="108" name="Google Shape;108;p2"/>
+          <p:cNvSpPr txBox="1"/>
+          <p:nvPr/>
+        </p:nvSpPr>
+        <p:spPr>
+          <a:xfrm>
+            <a:off x="4211960" y="5301208"/>
+            <a:ext cx="4896600" cy="276959"/>
+          </a:xfrm>
+          <a:prstGeom prst="rect">
+            <a:avLst/>
+          </a:prstGeom>
+          <a:solidFill>
+            <a:schemeClr val="lt1"/>
+          </a:solidFill>
+          <a:ln w="9525" cap="flat" cmpd="sng">
+            <a:solidFill>
+              <a:schemeClr val="dk1"/>
+            </a:solidFill>
+            <a:prstDash val="solid"/>
+            <a:round/>
+            <a:headEnd type="none" w="sm" len="sm"/>
+            <a:tailEnd type="none" w="sm" len="sm"/>
+          </a:ln>
+        </p:spPr>
+        <p:txBody>
+          <a:bodyPr spcFirstLastPara="1" wrap="square" lIns="91425" tIns="45700" rIns="91425" bIns="45700" anchor="t" anchorCtr="0">
+            <a:spAutoFit/>
+          </a:bodyPr>
+          <a:lstStyle/>
+          <a:p>
+            <a:pPr marL="0" marR="0" lvl="0" indent="0" algn="l" rtl="0">
+              <a:lnSpc>
+                <a:spcPct val="100000"/>
+              </a:lnSpc>
+              <a:spcBef>
+                <a:spcPts val="0"/>
+              </a:spcBef>
+              <a:spcAft>
+                <a:spcPts val="0"/>
+              </a:spcAft>
+              <a:buClr>
+                <a:srgbClr val="000000"/>
+              </a:buClr>
+              <a:buSzPts val="1200"/>
+              <a:buFont typeface="Arial"/>
+              <a:buNone/>
+            </a:pPr>
+            <a:endParaRPr sz="1200" b="0" i="0" u="none" strike="noStrike" cap="none" dirty="0">
+              <a:solidFill>
+                <a:schemeClr val="dk1"/>
+              </a:solidFill>
+              <a:latin typeface="Calibri"/>
+              <a:ea typeface="Calibri"/>
+              <a:cs typeface="Calibri"/>
+              <a:sym typeface="Calibri"/>
+            </a:endParaRPr>
+          </a:p>
+        </p:txBody>
+      </p:sp>
     </p:spTree>
   </p:cSld>
   <p:clrMapOvr>
